--- a/Contribution/viewports location.pptx
+++ b/Contribution/viewports location.pptx
@@ -5,8 +5,12 @@
     <p:sldMasterId id="2147483648" r:id="rId1"/>
   </p:sldMasterIdLst>
   <p:sldIdLst>
-    <p:sldId id="256" r:id="rId2"/>
-    <p:sldId id="257" r:id="rId3"/>
+    <p:sldId id="259" r:id="rId2"/>
+    <p:sldId id="260" r:id="rId3"/>
+    <p:sldId id="261" r:id="rId4"/>
+    <p:sldId id="256" r:id="rId5"/>
+    <p:sldId id="257" r:id="rId6"/>
+    <p:sldId id="258" r:id="rId7"/>
   </p:sldIdLst>
   <p:sldSz cx="12192000" cy="6858000"/>
   <p:notesSz cx="6858000" cy="9144000"/>
@@ -105,6 +109,11 @@
       </a:defRPr>
     </a:lvl9pPr>
   </p:defaultTextStyle>
+  <p:extLst>
+    <p:ext uri="{EFAFB233-063F-42B5-8137-9DF3F51BA10A}">
+      <p15:sldGuideLst xmlns:p15="http://schemas.microsoft.com/office/powerpoint/2012/main"/>
+    </p:ext>
+  </p:extLst>
 </p:presentation>
 </file>
 
@@ -257,7 +266,7 @@
           <a:p>
             <a:fld id="{69F6A66B-8F31-4D93-9DEC-7525EEC7F9B9}" type="datetimeFigureOut">
               <a:rPr lang="en-SG" smtClean="0"/>
-              <a:t>3/9/2019</a:t>
+              <a:t>4/9/2019</a:t>
             </a:fld>
             <a:endParaRPr lang="en-SG"/>
           </a:p>
@@ -457,7 +466,7 @@
           <a:p>
             <a:fld id="{69F6A66B-8F31-4D93-9DEC-7525EEC7F9B9}" type="datetimeFigureOut">
               <a:rPr lang="en-SG" smtClean="0"/>
-              <a:t>3/9/2019</a:t>
+              <a:t>4/9/2019</a:t>
             </a:fld>
             <a:endParaRPr lang="en-SG"/>
           </a:p>
@@ -667,7 +676,7 @@
           <a:p>
             <a:fld id="{69F6A66B-8F31-4D93-9DEC-7525EEC7F9B9}" type="datetimeFigureOut">
               <a:rPr lang="en-SG" smtClean="0"/>
-              <a:t>3/9/2019</a:t>
+              <a:t>4/9/2019</a:t>
             </a:fld>
             <a:endParaRPr lang="en-SG"/>
           </a:p>
@@ -867,7 +876,7 @@
           <a:p>
             <a:fld id="{69F6A66B-8F31-4D93-9DEC-7525EEC7F9B9}" type="datetimeFigureOut">
               <a:rPr lang="en-SG" smtClean="0"/>
-              <a:t>3/9/2019</a:t>
+              <a:t>4/9/2019</a:t>
             </a:fld>
             <a:endParaRPr lang="en-SG"/>
           </a:p>
@@ -1143,7 +1152,7 @@
           <a:p>
             <a:fld id="{69F6A66B-8F31-4D93-9DEC-7525EEC7F9B9}" type="datetimeFigureOut">
               <a:rPr lang="en-SG" smtClean="0"/>
-              <a:t>3/9/2019</a:t>
+              <a:t>4/9/2019</a:t>
             </a:fld>
             <a:endParaRPr lang="en-SG"/>
           </a:p>
@@ -1411,7 +1420,7 @@
           <a:p>
             <a:fld id="{69F6A66B-8F31-4D93-9DEC-7525EEC7F9B9}" type="datetimeFigureOut">
               <a:rPr lang="en-SG" smtClean="0"/>
-              <a:t>3/9/2019</a:t>
+              <a:t>4/9/2019</a:t>
             </a:fld>
             <a:endParaRPr lang="en-SG"/>
           </a:p>
@@ -1826,7 +1835,7 @@
           <a:p>
             <a:fld id="{69F6A66B-8F31-4D93-9DEC-7525EEC7F9B9}" type="datetimeFigureOut">
               <a:rPr lang="en-SG" smtClean="0"/>
-              <a:t>3/9/2019</a:t>
+              <a:t>4/9/2019</a:t>
             </a:fld>
             <a:endParaRPr lang="en-SG"/>
           </a:p>
@@ -1968,7 +1977,7 @@
           <a:p>
             <a:fld id="{69F6A66B-8F31-4D93-9DEC-7525EEC7F9B9}" type="datetimeFigureOut">
               <a:rPr lang="en-SG" smtClean="0"/>
-              <a:t>3/9/2019</a:t>
+              <a:t>4/9/2019</a:t>
             </a:fld>
             <a:endParaRPr lang="en-SG"/>
           </a:p>
@@ -2081,7 +2090,7 @@
           <a:p>
             <a:fld id="{69F6A66B-8F31-4D93-9DEC-7525EEC7F9B9}" type="datetimeFigureOut">
               <a:rPr lang="en-SG" smtClean="0"/>
-              <a:t>3/9/2019</a:t>
+              <a:t>4/9/2019</a:t>
             </a:fld>
             <a:endParaRPr lang="en-SG"/>
           </a:p>
@@ -2394,7 +2403,7 @@
           <a:p>
             <a:fld id="{69F6A66B-8F31-4D93-9DEC-7525EEC7F9B9}" type="datetimeFigureOut">
               <a:rPr lang="en-SG" smtClean="0"/>
-              <a:t>3/9/2019</a:t>
+              <a:t>4/9/2019</a:t>
             </a:fld>
             <a:endParaRPr lang="en-SG"/>
           </a:p>
@@ -2683,7 +2692,7 @@
           <a:p>
             <a:fld id="{69F6A66B-8F31-4D93-9DEC-7525EEC7F9B9}" type="datetimeFigureOut">
               <a:rPr lang="en-SG" smtClean="0"/>
-              <a:t>3/9/2019</a:t>
+              <a:t>4/9/2019</a:t>
             </a:fld>
             <a:endParaRPr lang="en-SG"/>
           </a:p>
@@ -2926,7 +2935,7 @@
           <a:p>
             <a:fld id="{69F6A66B-8F31-4D93-9DEC-7525EEC7F9B9}" type="datetimeFigureOut">
               <a:rPr lang="en-SG" smtClean="0"/>
-              <a:t>3/9/2019</a:t>
+              <a:t>4/9/2019</a:t>
             </a:fld>
             <a:endParaRPr lang="en-SG"/>
           </a:p>
@@ -3345,10 +3354,10 @@
       </p:grpSpPr>
       <p:sp>
         <p:nvSpPr>
-          <p:cNvPr id="6" name="TextBox 5">
-            <a:extLst>
-              <a:ext uri="{FF2B5EF4-FFF2-40B4-BE49-F238E27FC236}">
-                <a16:creationId xmlns:a16="http://schemas.microsoft.com/office/drawing/2014/main" id="{328227FF-FE6D-44C4-ABED-F005D3FF5438}"/>
+          <p:cNvPr id="4" name="TextBox 3">
+            <a:extLst>
+              <a:ext uri="{FF2B5EF4-FFF2-40B4-BE49-F238E27FC236}">
+                <a16:creationId xmlns:a16="http://schemas.microsoft.com/office/drawing/2014/main" id="{CDAE2D34-9009-4FEE-A9C0-6FC08C85F41C}"/>
               </a:ext>
             </a:extLst>
           </p:cNvPr>
@@ -3357,8 +3366,8 @@
         </p:nvSpPr>
         <p:spPr>
           <a:xfrm>
-            <a:off x="4816719" y="0"/>
-            <a:ext cx="3067763" cy="400110"/>
+            <a:off x="4209448" y="0"/>
+            <a:ext cx="3323026" cy="400110"/>
           </a:xfrm>
           <a:prstGeom prst="rect">
             <a:avLst/>
@@ -3373,18 +3382,53 @@
           <a:p>
             <a:r>
               <a:rPr lang="en-US" sz="2000" dirty="0"/>
-              <a:t>Viewport Location on Sheet</a:t>
+              <a:t>ViewSheet &amp; Outline Property</a:t>
             </a:r>
             <a:endParaRPr lang="en-SG" sz="2000" dirty="0"/>
+          </a:p>
+        </p:txBody>
+      </p:sp>
+      <p:sp>
+        <p:nvSpPr>
+          <p:cNvPr id="6" name="TextBox 5">
+            <a:extLst>
+              <a:ext uri="{FF2B5EF4-FFF2-40B4-BE49-F238E27FC236}">
+                <a16:creationId xmlns:a16="http://schemas.microsoft.com/office/drawing/2014/main" id="{DDB67F5E-A76B-4C6E-8E6D-08C390B4C9D0}"/>
+              </a:ext>
+            </a:extLst>
+          </p:cNvPr>
+          <p:cNvSpPr txBox="1"/>
+          <p:nvPr/>
+        </p:nvSpPr>
+        <p:spPr>
+          <a:xfrm>
+            <a:off x="738554" y="685805"/>
+            <a:ext cx="5859489" cy="369332"/>
+          </a:xfrm>
+          <a:prstGeom prst="rect">
+            <a:avLst/>
+          </a:prstGeom>
+          <a:noFill/>
+        </p:spPr>
+        <p:txBody>
+          <a:bodyPr wrap="none" rtlCol="0">
+            <a:spAutoFit/>
+          </a:bodyPr>
+          <a:lstStyle/>
+          <a:p>
+            <a:r>
+              <a:rPr lang="en-US" dirty="0"/>
+              <a:t>ViewSheet viewSheet = ViewSheet.Create(doc, titleblock.Id);</a:t>
+            </a:r>
           </a:p>
         </p:txBody>
       </p:sp>
       <p:pic>
         <p:nvPicPr>
-          <p:cNvPr id="12" name="Picture 11" descr="A screenshot of a cell phone&#10;&#10;Description automatically generated">
-            <a:extLst>
-              <a:ext uri="{FF2B5EF4-FFF2-40B4-BE49-F238E27FC236}">
-                <a16:creationId xmlns:a16="http://schemas.microsoft.com/office/drawing/2014/main" id="{51A318DA-6E2C-4EE2-AD16-026F8E03E395}"/>
+          <p:cNvPr id="9" name="Picture 8" descr="A screenshot of a cell phone&#10;&#10;Description automatically generated">
+            <a:extLst>
+              <a:ext uri="{FF2B5EF4-FFF2-40B4-BE49-F238E27FC236}">
+                <a16:creationId xmlns:a16="http://schemas.microsoft.com/office/drawing/2014/main" id="{63FB1471-7818-4046-975C-CBBD3C966C44}"/>
               </a:ext>
             </a:extLst>
           </p:cNvPr>
@@ -3407,20 +3451,56 @@
         </p:blipFill>
         <p:spPr>
           <a:xfrm>
-            <a:off x="1758521" y="400110"/>
-            <a:ext cx="8838359" cy="6287268"/>
+            <a:off x="835269" y="1159312"/>
+            <a:ext cx="2613887" cy="1013548"/>
           </a:xfrm>
           <a:prstGeom prst="rect">
             <a:avLst/>
           </a:prstGeom>
         </p:spPr>
       </p:pic>
-      <p:sp>
-        <p:nvSpPr>
-          <p:cNvPr id="13" name="TextBox 12">
-            <a:extLst>
-              <a:ext uri="{FF2B5EF4-FFF2-40B4-BE49-F238E27FC236}">
-                <a16:creationId xmlns:a16="http://schemas.microsoft.com/office/drawing/2014/main" id="{B2F1E70D-9E5F-4B9F-B9E6-38322D37A167}"/>
+      <p:pic>
+        <p:nvPicPr>
+          <p:cNvPr id="11" name="Picture 10">
+            <a:extLst>
+              <a:ext uri="{FF2B5EF4-FFF2-40B4-BE49-F238E27FC236}">
+                <a16:creationId xmlns:a16="http://schemas.microsoft.com/office/drawing/2014/main" id="{0580D7C6-244F-459B-AC43-4FE1749DFBD1}"/>
+              </a:ext>
+            </a:extLst>
+          </p:cNvPr>
+          <p:cNvPicPr>
+            <a:picLocks noChangeAspect="1"/>
+          </p:cNvPicPr>
+          <p:nvPr/>
+        </p:nvPicPr>
+        <p:blipFill>
+          <a:blip r:embed="rId3">
+            <a:extLst>
+              <a:ext uri="{28A0092B-C50C-407E-A947-70E740481C1C}">
+                <a14:useLocalDpi xmlns:a14="http://schemas.microsoft.com/office/drawing/2010/main" val="0"/>
+              </a:ext>
+            </a:extLst>
+          </a:blip>
+          <a:stretch>
+            <a:fillRect/>
+          </a:stretch>
+        </p:blipFill>
+        <p:spPr>
+          <a:xfrm>
+            <a:off x="3716831" y="1159312"/>
+            <a:ext cx="5397198" cy="1016483"/>
+          </a:xfrm>
+          <a:prstGeom prst="rect">
+            <a:avLst/>
+          </a:prstGeom>
+        </p:spPr>
+      </p:pic>
+      <p:sp>
+        <p:nvSpPr>
+          <p:cNvPr id="12" name="TextBox 11">
+            <a:extLst>
+              <a:ext uri="{FF2B5EF4-FFF2-40B4-BE49-F238E27FC236}">
+                <a16:creationId xmlns:a16="http://schemas.microsoft.com/office/drawing/2014/main" id="{754F3A48-E656-42DB-B926-D0C661627E50}"/>
               </a:ext>
             </a:extLst>
           </p:cNvPr>
@@ -3429,8 +3509,8 @@
         </p:nvSpPr>
         <p:spPr>
           <a:xfrm>
-            <a:off x="9275883" y="589085"/>
-            <a:ext cx="912429" cy="523220"/>
+            <a:off x="738554" y="2481772"/>
+            <a:ext cx="4421660" cy="369332"/>
           </a:xfrm>
           <a:prstGeom prst="rect">
             <a:avLst/>
@@ -3444,159 +3524,126 @@
           <a:lstStyle/>
           <a:p>
             <a:r>
-              <a:rPr lang="en-US" sz="2800" dirty="0">
-                <a:solidFill>
-                  <a:srgbClr val="FF0000"/>
-                </a:solidFill>
-              </a:rPr>
-              <a:t>1,1,0</a:t>
-            </a:r>
-            <a:endParaRPr lang="en-SG" sz="2800" dirty="0">
-              <a:solidFill>
-                <a:srgbClr val="FF0000"/>
-              </a:solidFill>
-            </a:endParaRPr>
-          </a:p>
-        </p:txBody>
-      </p:sp>
-      <p:sp>
-        <p:nvSpPr>
-          <p:cNvPr id="14" name="TextBox 13">
-            <a:extLst>
-              <a:ext uri="{FF2B5EF4-FFF2-40B4-BE49-F238E27FC236}">
-                <a16:creationId xmlns:a16="http://schemas.microsoft.com/office/drawing/2014/main" id="{17517CF3-9567-4E33-A0D8-6CDED109FC98}"/>
-              </a:ext>
-            </a:extLst>
-          </p:cNvPr>
-          <p:cNvSpPr txBox="1"/>
-          <p:nvPr/>
-        </p:nvSpPr>
-        <p:spPr>
-          <a:xfrm>
-            <a:off x="6350600" y="2479431"/>
-            <a:ext cx="1460656" cy="523220"/>
-          </a:xfrm>
-          <a:prstGeom prst="rect">
-            <a:avLst/>
-          </a:prstGeom>
-          <a:noFill/>
-        </p:spPr>
-        <p:txBody>
-          <a:bodyPr wrap="none" rtlCol="0">
-            <a:spAutoFit/>
-          </a:bodyPr>
-          <a:lstStyle/>
-          <a:p>
-            <a:r>
-              <a:rPr lang="en-US" sz="2800" dirty="0">
-                <a:solidFill>
-                  <a:srgbClr val="FF0000"/>
-                </a:solidFill>
-              </a:rPr>
-              <a:t>1.5,1.5,0</a:t>
-            </a:r>
-            <a:endParaRPr lang="en-SG" sz="2800" dirty="0">
-              <a:solidFill>
-                <a:srgbClr val="FF0000"/>
-              </a:solidFill>
-            </a:endParaRPr>
-          </a:p>
-        </p:txBody>
-      </p:sp>
-      <p:sp>
-        <p:nvSpPr>
-          <p:cNvPr id="15" name="TextBox 14">
-            <a:extLst>
-              <a:ext uri="{FF2B5EF4-FFF2-40B4-BE49-F238E27FC236}">
-                <a16:creationId xmlns:a16="http://schemas.microsoft.com/office/drawing/2014/main" id="{42ACCFAE-304A-467E-A3F2-58AA6162F29D}"/>
-              </a:ext>
-            </a:extLst>
-          </p:cNvPr>
-          <p:cNvSpPr txBox="1"/>
-          <p:nvPr/>
-        </p:nvSpPr>
-        <p:spPr>
-          <a:xfrm>
-            <a:off x="5326817" y="3429000"/>
-            <a:ext cx="912429" cy="523220"/>
-          </a:xfrm>
-          <a:prstGeom prst="rect">
-            <a:avLst/>
-          </a:prstGeom>
-          <a:noFill/>
-        </p:spPr>
-        <p:txBody>
-          <a:bodyPr wrap="none" rtlCol="0">
-            <a:spAutoFit/>
-          </a:bodyPr>
-          <a:lstStyle/>
-          <a:p>
-            <a:r>
-              <a:rPr lang="en-US" sz="2800" dirty="0">
-                <a:solidFill>
-                  <a:srgbClr val="FF0000"/>
-                </a:solidFill>
-              </a:rPr>
-              <a:t>2,2,0</a:t>
-            </a:r>
-            <a:endParaRPr lang="en-SG" sz="2800" dirty="0">
-              <a:solidFill>
-                <a:srgbClr val="FF0000"/>
-              </a:solidFill>
-            </a:endParaRPr>
-          </a:p>
-        </p:txBody>
-      </p:sp>
-      <p:sp>
-        <p:nvSpPr>
-          <p:cNvPr id="16" name="TextBox 15">
-            <a:extLst>
-              <a:ext uri="{FF2B5EF4-FFF2-40B4-BE49-F238E27FC236}">
-                <a16:creationId xmlns:a16="http://schemas.microsoft.com/office/drawing/2014/main" id="{32855E21-E3D5-4DCB-83E4-168871433988}"/>
-              </a:ext>
-            </a:extLst>
-          </p:cNvPr>
-          <p:cNvSpPr txBox="1"/>
-          <p:nvPr/>
-        </p:nvSpPr>
-        <p:spPr>
-          <a:xfrm>
-            <a:off x="3999179" y="4352192"/>
-            <a:ext cx="912429" cy="523220"/>
-          </a:xfrm>
-          <a:prstGeom prst="rect">
-            <a:avLst/>
-          </a:prstGeom>
-          <a:noFill/>
-        </p:spPr>
-        <p:txBody>
-          <a:bodyPr wrap="none" rtlCol="0">
-            <a:spAutoFit/>
-          </a:bodyPr>
-          <a:lstStyle/>
-          <a:p>
-            <a:r>
-              <a:rPr lang="en-US" sz="2800" dirty="0">
-                <a:solidFill>
-                  <a:srgbClr val="FF0000"/>
-                </a:solidFill>
-              </a:rPr>
-              <a:t>3,3,0</a:t>
-            </a:r>
-            <a:endParaRPr lang="en-SG" sz="2800" dirty="0">
-              <a:solidFill>
-                <a:srgbClr val="FF0000"/>
-              </a:solidFill>
-            </a:endParaRPr>
-          </a:p>
-        </p:txBody>
-      </p:sp>
+              <a:rPr lang="en-US" dirty="0"/>
+              <a:t>BoundingBoxUV outline = viewSheet.Outline;</a:t>
+            </a:r>
+          </a:p>
+        </p:txBody>
+      </p:sp>
+      <p:pic>
+        <p:nvPicPr>
+          <p:cNvPr id="14" name="Picture 13">
+            <a:extLst>
+              <a:ext uri="{FF2B5EF4-FFF2-40B4-BE49-F238E27FC236}">
+                <a16:creationId xmlns:a16="http://schemas.microsoft.com/office/drawing/2014/main" id="{0F40190C-C335-4279-8F61-4B0EE741E463}"/>
+              </a:ext>
+            </a:extLst>
+          </p:cNvPr>
+          <p:cNvPicPr>
+            <a:picLocks noChangeAspect="1"/>
+          </p:cNvPicPr>
+          <p:nvPr/>
+        </p:nvPicPr>
+        <p:blipFill>
+          <a:blip r:embed="rId4">
+            <a:extLst>
+              <a:ext uri="{28A0092B-C50C-407E-A947-70E740481C1C}">
+                <a14:useLocalDpi xmlns:a14="http://schemas.microsoft.com/office/drawing/2010/main" val="0"/>
+              </a:ext>
+            </a:extLst>
+          </a:blip>
+          <a:stretch>
+            <a:fillRect/>
+          </a:stretch>
+        </p:blipFill>
+        <p:spPr>
+          <a:xfrm>
+            <a:off x="797539" y="4144120"/>
+            <a:ext cx="2857748" cy="563929"/>
+          </a:xfrm>
+          <a:prstGeom prst="rect">
+            <a:avLst/>
+          </a:prstGeom>
+        </p:spPr>
+      </p:pic>
+      <p:pic>
+        <p:nvPicPr>
+          <p:cNvPr id="16" name="Picture 15">
+            <a:extLst>
+              <a:ext uri="{FF2B5EF4-FFF2-40B4-BE49-F238E27FC236}">
+                <a16:creationId xmlns:a16="http://schemas.microsoft.com/office/drawing/2014/main" id="{9618A052-D4AB-4FA4-9800-AFA11821C097}"/>
+              </a:ext>
+            </a:extLst>
+          </p:cNvPr>
+          <p:cNvPicPr>
+            <a:picLocks noChangeAspect="1"/>
+          </p:cNvPicPr>
+          <p:nvPr/>
+        </p:nvPicPr>
+        <p:blipFill>
+          <a:blip r:embed="rId5">
+            <a:extLst>
+              <a:ext uri="{28A0092B-C50C-407E-A947-70E740481C1C}">
+                <a14:useLocalDpi xmlns:a14="http://schemas.microsoft.com/office/drawing/2010/main" val="0"/>
+              </a:ext>
+            </a:extLst>
+          </a:blip>
+          <a:stretch>
+            <a:fillRect/>
+          </a:stretch>
+        </p:blipFill>
+        <p:spPr>
+          <a:xfrm>
+            <a:off x="3782916" y="4388582"/>
+            <a:ext cx="3322608" cy="304826"/>
+          </a:xfrm>
+          <a:prstGeom prst="rect">
+            <a:avLst/>
+          </a:prstGeom>
+        </p:spPr>
+      </p:pic>
+      <p:pic>
+        <p:nvPicPr>
+          <p:cNvPr id="18" name="Picture 17">
+            <a:extLst>
+              <a:ext uri="{FF2B5EF4-FFF2-40B4-BE49-F238E27FC236}">
+                <a16:creationId xmlns:a16="http://schemas.microsoft.com/office/drawing/2014/main" id="{8B90ECCD-FC3F-4197-A320-D022CADBDB01}"/>
+              </a:ext>
+            </a:extLst>
+          </p:cNvPr>
+          <p:cNvPicPr>
+            <a:picLocks noChangeAspect="1"/>
+          </p:cNvPicPr>
+          <p:nvPr/>
+        </p:nvPicPr>
+        <p:blipFill>
+          <a:blip r:embed="rId6">
+            <a:extLst>
+              <a:ext uri="{28A0092B-C50C-407E-A947-70E740481C1C}">
+                <a14:useLocalDpi xmlns:a14="http://schemas.microsoft.com/office/drawing/2010/main" val="0"/>
+              </a:ext>
+            </a:extLst>
+          </a:blip>
+          <a:stretch>
+            <a:fillRect/>
+          </a:stretch>
+        </p:blipFill>
+        <p:spPr>
+          <a:xfrm>
+            <a:off x="3782916" y="4155551"/>
+            <a:ext cx="1760373" cy="259102"/>
+          </a:xfrm>
+          <a:prstGeom prst="rect">
+            <a:avLst/>
+          </a:prstGeom>
+        </p:spPr>
+      </p:pic>
       <p:cxnSp>
         <p:nvCxnSpPr>
-          <p:cNvPr id="17" name="Straight Arrow Connector 16">
-            <a:extLst>
-              <a:ext uri="{FF2B5EF4-FFF2-40B4-BE49-F238E27FC236}">
-                <a16:creationId xmlns:a16="http://schemas.microsoft.com/office/drawing/2014/main" id="{36B64EF8-0290-49BF-A83A-7529A5368768}"/>
+          <p:cNvPr id="27" name="Straight Connector 26">
+            <a:extLst>
+              <a:ext uri="{FF2B5EF4-FFF2-40B4-BE49-F238E27FC236}">
+                <a16:creationId xmlns:a16="http://schemas.microsoft.com/office/drawing/2014/main" id="{926B9666-B759-4226-BF20-3785E4DA238C}"/>
               </a:ext>
             </a:extLst>
           </p:cNvPr>
@@ -3606,15 +3653,19 @@
           <p:nvPr/>
         </p:nvCxnSpPr>
         <p:spPr>
-          <a:xfrm flipH="1">
-            <a:off x="5216769" y="668215"/>
-            <a:ext cx="1758462" cy="0"/>
-          </a:xfrm>
-          <a:prstGeom prst="straightConnector1">
+          <a:xfrm>
+            <a:off x="797539" y="2376257"/>
+            <a:ext cx="6060461" cy="0"/>
+          </a:xfrm>
+          <a:prstGeom prst="line">
             <a:avLst/>
           </a:prstGeom>
           <a:ln>
-            <a:tailEnd type="triangle"/>
+            <a:solidFill>
+              <a:schemeClr val="bg1">
+                <a:lumMod val="85000"/>
+              </a:schemeClr>
+            </a:solidFill>
           </a:ln>
         </p:spPr>
         <p:style>
@@ -3632,167 +3683,82 @@
           </a:fontRef>
         </p:style>
       </p:cxnSp>
-      <p:cxnSp>
-        <p:nvCxnSpPr>
-          <p:cNvPr id="18" name="Straight Arrow Connector 17">
-            <a:extLst>
-              <a:ext uri="{FF2B5EF4-FFF2-40B4-BE49-F238E27FC236}">
-                <a16:creationId xmlns:a16="http://schemas.microsoft.com/office/drawing/2014/main" id="{00EFEB50-4094-44F8-B73F-2A8D4F33CF78}"/>
-              </a:ext>
-            </a:extLst>
-          </p:cNvPr>
-          <p:cNvCxnSpPr>
-            <a:cxnSpLocks/>
-          </p:cNvCxnSpPr>
-          <p:nvPr/>
-        </p:nvCxnSpPr>
-        <p:spPr>
-          <a:xfrm>
-            <a:off x="11085893" y="1987061"/>
-            <a:ext cx="0" cy="1608993"/>
-          </a:xfrm>
-          <a:prstGeom prst="straightConnector1">
-            <a:avLst/>
-          </a:prstGeom>
-          <a:ln>
-            <a:tailEnd type="triangle"/>
-          </a:ln>
-        </p:spPr>
-        <p:style>
-          <a:lnRef idx="1">
-            <a:schemeClr val="accent1"/>
-          </a:lnRef>
-          <a:fillRef idx="0">
-            <a:schemeClr val="accent1"/>
-          </a:fillRef>
-          <a:effectRef idx="0">
-            <a:schemeClr val="accent1"/>
-          </a:effectRef>
-          <a:fontRef idx="minor">
-            <a:schemeClr val="tx1"/>
-          </a:fontRef>
-        </p:style>
-      </p:cxnSp>
-      <p:sp>
-        <p:nvSpPr>
-          <p:cNvPr id="19" name="TextBox 18">
-            <a:extLst>
-              <a:ext uri="{FF2B5EF4-FFF2-40B4-BE49-F238E27FC236}">
-                <a16:creationId xmlns:a16="http://schemas.microsoft.com/office/drawing/2014/main" id="{FB192596-FE28-4A09-9A37-EA741DB9CC3C}"/>
-              </a:ext>
-            </a:extLst>
-          </p:cNvPr>
-          <p:cNvSpPr txBox="1"/>
-          <p:nvPr/>
-        </p:nvSpPr>
-        <p:spPr>
-          <a:xfrm>
-            <a:off x="5715928" y="604483"/>
-            <a:ext cx="760144" cy="369332"/>
-          </a:xfrm>
-          <a:prstGeom prst="rect">
-            <a:avLst/>
-          </a:prstGeom>
-          <a:noFill/>
-        </p:spPr>
-        <p:txBody>
-          <a:bodyPr wrap="none" rtlCol="0">
-            <a:spAutoFit/>
-          </a:bodyPr>
-          <a:lstStyle/>
-          <a:p>
-            <a:r>
-              <a:rPr lang="en-US" dirty="0"/>
-              <a:t>U Axis</a:t>
-            </a:r>
-            <a:endParaRPr lang="en-SG" dirty="0"/>
-          </a:p>
-        </p:txBody>
-      </p:sp>
-      <p:sp>
-        <p:nvSpPr>
-          <p:cNvPr id="20" name="TextBox 19">
-            <a:extLst>
-              <a:ext uri="{FF2B5EF4-FFF2-40B4-BE49-F238E27FC236}">
-                <a16:creationId xmlns:a16="http://schemas.microsoft.com/office/drawing/2014/main" id="{3B367CCB-3A6F-42E2-9227-387F98F48BE1}"/>
-              </a:ext>
-            </a:extLst>
-          </p:cNvPr>
-          <p:cNvSpPr txBox="1"/>
-          <p:nvPr/>
-        </p:nvSpPr>
-        <p:spPr>
-          <a:xfrm>
-            <a:off x="11085893" y="2538791"/>
-            <a:ext cx="760144" cy="369332"/>
-          </a:xfrm>
-          <a:prstGeom prst="rect">
-            <a:avLst/>
-          </a:prstGeom>
-          <a:noFill/>
-        </p:spPr>
-        <p:txBody>
-          <a:bodyPr wrap="none" rtlCol="0">
-            <a:spAutoFit/>
-          </a:bodyPr>
-          <a:lstStyle/>
-          <a:p>
-            <a:r>
-              <a:rPr lang="en-US" dirty="0"/>
-              <a:t>V Axis</a:t>
-            </a:r>
-            <a:endParaRPr lang="en-SG" dirty="0"/>
-          </a:p>
-        </p:txBody>
-      </p:sp>
-      <p:sp>
-        <p:nvSpPr>
-          <p:cNvPr id="21" name="TextBox 20">
-            <a:extLst>
-              <a:ext uri="{FF2B5EF4-FFF2-40B4-BE49-F238E27FC236}">
-                <a16:creationId xmlns:a16="http://schemas.microsoft.com/office/drawing/2014/main" id="{8ACC376C-EAB6-408D-B226-44051C276687}"/>
-              </a:ext>
-            </a:extLst>
-          </p:cNvPr>
-          <p:cNvSpPr txBox="1"/>
-          <p:nvPr/>
-        </p:nvSpPr>
-        <p:spPr>
-          <a:xfrm>
-            <a:off x="11175540" y="0"/>
-            <a:ext cx="837665" cy="523220"/>
-          </a:xfrm>
-          <a:prstGeom prst="rect">
-            <a:avLst/>
-          </a:prstGeom>
-          <a:noFill/>
-        </p:spPr>
-        <p:txBody>
-          <a:bodyPr wrap="none" rtlCol="0">
-            <a:spAutoFit/>
-          </a:bodyPr>
-          <a:lstStyle/>
-          <a:p>
-            <a:r>
-              <a:rPr lang="en-US" sz="2800" dirty="0">
-                <a:solidFill>
-                  <a:srgbClr val="FF0000"/>
-                </a:solidFill>
-              </a:rPr>
-              <a:t>X,Y,Z</a:t>
-            </a:r>
-            <a:endParaRPr lang="en-SG" sz="2800" dirty="0">
-              <a:solidFill>
-                <a:srgbClr val="FF0000"/>
-              </a:solidFill>
-            </a:endParaRPr>
-          </a:p>
-        </p:txBody>
-      </p:sp>
+      <p:pic>
+        <p:nvPicPr>
+          <p:cNvPr id="47" name="Picture 46" descr="A screenshot of a cell phone&#10;&#10;Description automatically generated">
+            <a:extLst>
+              <a:ext uri="{FF2B5EF4-FFF2-40B4-BE49-F238E27FC236}">
+                <a16:creationId xmlns:a16="http://schemas.microsoft.com/office/drawing/2014/main" id="{288223DD-4CD0-4E13-8BEF-24DA9DDA68F4}"/>
+              </a:ext>
+            </a:extLst>
+          </p:cNvPr>
+          <p:cNvPicPr>
+            <a:picLocks noChangeAspect="1"/>
+          </p:cNvPicPr>
+          <p:nvPr/>
+        </p:nvPicPr>
+        <p:blipFill>
+          <a:blip r:embed="rId7">
+            <a:extLst>
+              <a:ext uri="{28A0092B-C50C-407E-A947-70E740481C1C}">
+                <a14:useLocalDpi xmlns:a14="http://schemas.microsoft.com/office/drawing/2010/main" val="0"/>
+              </a:ext>
+            </a:extLst>
+          </a:blip>
+          <a:stretch>
+            <a:fillRect/>
+          </a:stretch>
+        </p:blipFill>
+        <p:spPr>
+          <a:xfrm>
+            <a:off x="782513" y="2866358"/>
+            <a:ext cx="2812024" cy="1135478"/>
+          </a:xfrm>
+          <a:prstGeom prst="rect">
+            <a:avLst/>
+          </a:prstGeom>
+        </p:spPr>
+      </p:pic>
+      <p:pic>
+        <p:nvPicPr>
+          <p:cNvPr id="49" name="Picture 48" descr="A close up of a logo&#10;&#10;Description automatically generated">
+            <a:extLst>
+              <a:ext uri="{FF2B5EF4-FFF2-40B4-BE49-F238E27FC236}">
+                <a16:creationId xmlns:a16="http://schemas.microsoft.com/office/drawing/2014/main" id="{385F9EA3-68BE-462B-857C-3D61AE646811}"/>
+              </a:ext>
+            </a:extLst>
+          </p:cNvPr>
+          <p:cNvPicPr>
+            <a:picLocks noChangeAspect="1"/>
+          </p:cNvPicPr>
+          <p:nvPr/>
+        </p:nvPicPr>
+        <p:blipFill>
+          <a:blip r:embed="rId8">
+            <a:extLst>
+              <a:ext uri="{28A0092B-C50C-407E-A947-70E740481C1C}">
+                <a14:useLocalDpi xmlns:a14="http://schemas.microsoft.com/office/drawing/2010/main" val="0"/>
+              </a:ext>
+            </a:extLst>
+          </a:blip>
+          <a:stretch>
+            <a:fillRect/>
+          </a:stretch>
+        </p:blipFill>
+        <p:spPr>
+          <a:xfrm>
+            <a:off x="3529738" y="3802237"/>
+            <a:ext cx="1844200" cy="190517"/>
+          </a:xfrm>
+          <a:prstGeom prst="rect">
+            <a:avLst/>
+          </a:prstGeom>
+        </p:spPr>
+      </p:pic>
     </p:spTree>
     <p:extLst>
       <p:ext uri="{BB962C8B-B14F-4D97-AF65-F5344CB8AC3E}">
-        <p14:creationId xmlns:p14="http://schemas.microsoft.com/office/powerpoint/2010/main" val="76493018"/>
+        <p14:creationId xmlns:p14="http://schemas.microsoft.com/office/powerpoint/2010/main" val="1968853592"/>
       </p:ext>
     </p:extLst>
   </p:cSld>
@@ -3819,12 +3785,82 @@
           <a:chExt cx="0" cy="0"/>
         </a:xfrm>
       </p:grpSpPr>
+      <p:sp>
+        <p:nvSpPr>
+          <p:cNvPr id="4" name="TextBox 3">
+            <a:extLst>
+              <a:ext uri="{FF2B5EF4-FFF2-40B4-BE49-F238E27FC236}">
+                <a16:creationId xmlns:a16="http://schemas.microsoft.com/office/drawing/2014/main" id="{014E0621-0B04-42B9-A694-8FC72C705F86}"/>
+              </a:ext>
+            </a:extLst>
+          </p:cNvPr>
+          <p:cNvSpPr txBox="1"/>
+          <p:nvPr/>
+        </p:nvSpPr>
+        <p:spPr>
+          <a:xfrm>
+            <a:off x="4168245" y="-47349"/>
+            <a:ext cx="3307316" cy="400110"/>
+          </a:xfrm>
+          <a:prstGeom prst="rect">
+            <a:avLst/>
+          </a:prstGeom>
+          <a:noFill/>
+        </p:spPr>
+        <p:txBody>
+          <a:bodyPr wrap="none" rtlCol="0">
+            <a:spAutoFit/>
+          </a:bodyPr>
+          <a:lstStyle/>
+          <a:p>
+            <a:r>
+              <a:rPr lang="en-US" sz="2000" dirty="0"/>
+              <a:t>ViewSheet Coordinate System</a:t>
+            </a:r>
+          </a:p>
+        </p:txBody>
+      </p:sp>
+      <p:sp>
+        <p:nvSpPr>
+          <p:cNvPr id="5" name="TextBox 4">
+            <a:extLst>
+              <a:ext uri="{FF2B5EF4-FFF2-40B4-BE49-F238E27FC236}">
+                <a16:creationId xmlns:a16="http://schemas.microsoft.com/office/drawing/2014/main" id="{E77F2071-A5CB-4FB7-B68F-014C9B788EDC}"/>
+              </a:ext>
+            </a:extLst>
+          </p:cNvPr>
+          <p:cNvSpPr txBox="1"/>
+          <p:nvPr/>
+        </p:nvSpPr>
+        <p:spPr>
+          <a:xfrm>
+            <a:off x="2195945" y="574835"/>
+            <a:ext cx="2318840" cy="369332"/>
+          </a:xfrm>
+          <a:prstGeom prst="rect">
+            <a:avLst/>
+          </a:prstGeom>
+          <a:noFill/>
+        </p:spPr>
+        <p:txBody>
+          <a:bodyPr wrap="none" rtlCol="0">
+            <a:spAutoFit/>
+          </a:bodyPr>
+          <a:lstStyle/>
+          <a:p>
+            <a:r>
+              <a:rPr lang="en-US" dirty="0"/>
+              <a:t>UV max = outline.Max;</a:t>
+            </a:r>
+          </a:p>
+        </p:txBody>
+      </p:sp>
       <p:pic>
         <p:nvPicPr>
-          <p:cNvPr id="5" name="Picture 4" descr="A screenshot of a cell phone&#10;&#10;Description automatically generated">
-            <a:extLst>
-              <a:ext uri="{FF2B5EF4-FFF2-40B4-BE49-F238E27FC236}">
-                <a16:creationId xmlns:a16="http://schemas.microsoft.com/office/drawing/2014/main" id="{50E2E45E-D57D-4FD1-8EA7-E1F748B66E88}"/>
+          <p:cNvPr id="6" name="Picture 5">
+            <a:extLst>
+              <a:ext uri="{FF2B5EF4-FFF2-40B4-BE49-F238E27FC236}">
+                <a16:creationId xmlns:a16="http://schemas.microsoft.com/office/drawing/2014/main" id="{AEE50188-4561-4747-AF4A-6579F1FD5C70}"/>
               </a:ext>
             </a:extLst>
           </p:cNvPr>
@@ -3847,20 +3883,56 @@
         </p:blipFill>
         <p:spPr>
           <a:xfrm>
-            <a:off x="1990725" y="326558"/>
-            <a:ext cx="8762999" cy="6380724"/>
+            <a:off x="2283868" y="972195"/>
+            <a:ext cx="2054173" cy="784508"/>
           </a:xfrm>
           <a:prstGeom prst="rect">
             <a:avLst/>
           </a:prstGeom>
         </p:spPr>
       </p:pic>
-      <p:sp>
-        <p:nvSpPr>
-          <p:cNvPr id="6" name="TextBox 5">
-            <a:extLst>
-              <a:ext uri="{FF2B5EF4-FFF2-40B4-BE49-F238E27FC236}">
-                <a16:creationId xmlns:a16="http://schemas.microsoft.com/office/drawing/2014/main" id="{ECD9765C-39BF-436E-994B-7E15E0A61D41}"/>
+      <p:pic>
+        <p:nvPicPr>
+          <p:cNvPr id="7" name="Picture 6" descr="A screenshot of a cell phone&#10;&#10;Description automatically generated">
+            <a:extLst>
+              <a:ext uri="{FF2B5EF4-FFF2-40B4-BE49-F238E27FC236}">
+                <a16:creationId xmlns:a16="http://schemas.microsoft.com/office/drawing/2014/main" id="{C143DA1F-ADAB-41FF-AC96-CDEBA04BECAB}"/>
+              </a:ext>
+            </a:extLst>
+          </p:cNvPr>
+          <p:cNvPicPr>
+            <a:picLocks noChangeAspect="1"/>
+          </p:cNvPicPr>
+          <p:nvPr/>
+        </p:nvPicPr>
+        <p:blipFill>
+          <a:blip r:embed="rId3">
+            <a:extLst>
+              <a:ext uri="{28A0092B-C50C-407E-A947-70E740481C1C}">
+                <a14:useLocalDpi xmlns:a14="http://schemas.microsoft.com/office/drawing/2010/main" val="0"/>
+              </a:ext>
+            </a:extLst>
+          </a:blip>
+          <a:stretch>
+            <a:fillRect/>
+          </a:stretch>
+        </p:blipFill>
+        <p:spPr>
+          <a:xfrm>
+            <a:off x="7279697" y="956851"/>
+            <a:ext cx="2054174" cy="816191"/>
+          </a:xfrm>
+          <a:prstGeom prst="rect">
+            <a:avLst/>
+          </a:prstGeom>
+        </p:spPr>
+      </p:pic>
+      <p:sp>
+        <p:nvSpPr>
+          <p:cNvPr id="8" name="TextBox 7">
+            <a:extLst>
+              <a:ext uri="{FF2B5EF4-FFF2-40B4-BE49-F238E27FC236}">
+                <a16:creationId xmlns:a16="http://schemas.microsoft.com/office/drawing/2014/main" id="{1F471565-5F6F-41B3-AD6F-A106EFCAEC88}"/>
               </a:ext>
             </a:extLst>
           </p:cNvPr>
@@ -3869,8 +3941,8 @@
         </p:nvSpPr>
         <p:spPr>
           <a:xfrm>
-            <a:off x="4816719" y="0"/>
-            <a:ext cx="3067763" cy="400110"/>
+            <a:off x="7191775" y="587519"/>
+            <a:ext cx="2252540" cy="369332"/>
           </a:xfrm>
           <a:prstGeom prst="rect">
             <a:avLst/>
@@ -3884,6 +3956,1410 @@
           <a:lstStyle/>
           <a:p>
             <a:r>
+              <a:rPr lang="en-US" dirty="0"/>
+              <a:t>UV min = outline.Min;</a:t>
+            </a:r>
+          </a:p>
+        </p:txBody>
+      </p:sp>
+      <p:cxnSp>
+        <p:nvCxnSpPr>
+          <p:cNvPr id="9" name="Straight Connector 8">
+            <a:extLst>
+              <a:ext uri="{FF2B5EF4-FFF2-40B4-BE49-F238E27FC236}">
+                <a16:creationId xmlns:a16="http://schemas.microsoft.com/office/drawing/2014/main" id="{3D4FDAFD-BEC5-4F95-86D2-8CB31B805433}"/>
+              </a:ext>
+            </a:extLst>
+          </p:cNvPr>
+          <p:cNvCxnSpPr>
+            <a:cxnSpLocks/>
+          </p:cNvCxnSpPr>
+          <p:nvPr/>
+        </p:nvCxnSpPr>
+        <p:spPr>
+          <a:xfrm>
+            <a:off x="5744260" y="729132"/>
+            <a:ext cx="0" cy="2527730"/>
+          </a:xfrm>
+          <a:prstGeom prst="line">
+            <a:avLst/>
+          </a:prstGeom>
+          <a:ln>
+            <a:solidFill>
+              <a:schemeClr val="bg1">
+                <a:lumMod val="85000"/>
+              </a:schemeClr>
+            </a:solidFill>
+          </a:ln>
+        </p:spPr>
+        <p:style>
+          <a:lnRef idx="1">
+            <a:schemeClr val="accent1"/>
+          </a:lnRef>
+          <a:fillRef idx="0">
+            <a:schemeClr val="accent1"/>
+          </a:fillRef>
+          <a:effectRef idx="0">
+            <a:schemeClr val="accent1"/>
+          </a:effectRef>
+          <a:fontRef idx="minor">
+            <a:schemeClr val="tx1"/>
+          </a:fontRef>
+        </p:style>
+      </p:cxnSp>
+      <p:pic>
+        <p:nvPicPr>
+          <p:cNvPr id="10" name="Picture 9" descr="A screenshot of a cell phone&#10;&#10;Description automatically generated">
+            <a:extLst>
+              <a:ext uri="{FF2B5EF4-FFF2-40B4-BE49-F238E27FC236}">
+                <a16:creationId xmlns:a16="http://schemas.microsoft.com/office/drawing/2014/main" id="{75C5BA13-85CB-44E7-B18C-4CACCFEAB25A}"/>
+              </a:ext>
+            </a:extLst>
+          </p:cNvPr>
+          <p:cNvPicPr>
+            <a:picLocks noChangeAspect="1"/>
+          </p:cNvPicPr>
+          <p:nvPr/>
+        </p:nvPicPr>
+        <p:blipFill>
+          <a:blip r:embed="rId4">
+            <a:extLst>
+              <a:ext uri="{28A0092B-C50C-407E-A947-70E740481C1C}">
+                <a14:useLocalDpi xmlns:a14="http://schemas.microsoft.com/office/drawing/2010/main" val="0"/>
+              </a:ext>
+            </a:extLst>
+          </a:blip>
+          <a:stretch>
+            <a:fillRect/>
+          </a:stretch>
+        </p:blipFill>
+        <p:spPr>
+          <a:xfrm>
+            <a:off x="2292660" y="2668204"/>
+            <a:ext cx="1121507" cy="845534"/>
+          </a:xfrm>
+          <a:prstGeom prst="rect">
+            <a:avLst/>
+          </a:prstGeom>
+        </p:spPr>
+      </p:pic>
+      <p:pic>
+        <p:nvPicPr>
+          <p:cNvPr id="11" name="Picture 10" descr="A screenshot of a cell phone&#10;&#10;Description automatically generated">
+            <a:extLst>
+              <a:ext uri="{FF2B5EF4-FFF2-40B4-BE49-F238E27FC236}">
+                <a16:creationId xmlns:a16="http://schemas.microsoft.com/office/drawing/2014/main" id="{56175184-848F-40A6-84F0-0351E73BAB05}"/>
+              </a:ext>
+            </a:extLst>
+          </p:cNvPr>
+          <p:cNvPicPr>
+            <a:picLocks noChangeAspect="1"/>
+          </p:cNvPicPr>
+          <p:nvPr/>
+        </p:nvPicPr>
+        <p:blipFill>
+          <a:blip r:embed="rId5">
+            <a:extLst>
+              <a:ext uri="{28A0092B-C50C-407E-A947-70E740481C1C}">
+                <a14:useLocalDpi xmlns:a14="http://schemas.microsoft.com/office/drawing/2010/main" val="0"/>
+              </a:ext>
+            </a:extLst>
+          </a:blip>
+          <a:stretch>
+            <a:fillRect/>
+          </a:stretch>
+        </p:blipFill>
+        <p:spPr>
+          <a:xfrm>
+            <a:off x="3406249" y="2668204"/>
+            <a:ext cx="1198806" cy="845534"/>
+          </a:xfrm>
+          <a:prstGeom prst="rect">
+            <a:avLst/>
+          </a:prstGeom>
+        </p:spPr>
+      </p:pic>
+      <p:sp>
+        <p:nvSpPr>
+          <p:cNvPr id="12" name="TextBox 11">
+            <a:extLst>
+              <a:ext uri="{FF2B5EF4-FFF2-40B4-BE49-F238E27FC236}">
+                <a16:creationId xmlns:a16="http://schemas.microsoft.com/office/drawing/2014/main" id="{6E3DB8B7-6951-4E24-A212-F11417FC14ED}"/>
+              </a:ext>
+            </a:extLst>
+          </p:cNvPr>
+          <p:cNvSpPr txBox="1"/>
+          <p:nvPr/>
+        </p:nvSpPr>
+        <p:spPr>
+          <a:xfrm>
+            <a:off x="2292660" y="1814673"/>
+            <a:ext cx="2311980" cy="646331"/>
+          </a:xfrm>
+          <a:prstGeom prst="rect">
+            <a:avLst/>
+          </a:prstGeom>
+          <a:noFill/>
+        </p:spPr>
+        <p:txBody>
+          <a:bodyPr wrap="none" rtlCol="0">
+            <a:spAutoFit/>
+          </a:bodyPr>
+          <a:lstStyle/>
+          <a:p>
+            <a:r>
+              <a:rPr lang="en-US" dirty="0"/>
+              <a:t>double maxU = max.U;</a:t>
+            </a:r>
+          </a:p>
+          <a:p>
+            <a:r>
+              <a:rPr lang="en-US" dirty="0"/>
+              <a:t>double maxV = max.V;</a:t>
+            </a:r>
+          </a:p>
+        </p:txBody>
+      </p:sp>
+      <p:sp>
+        <p:nvSpPr>
+          <p:cNvPr id="13" name="TextBox 12">
+            <a:extLst>
+              <a:ext uri="{FF2B5EF4-FFF2-40B4-BE49-F238E27FC236}">
+                <a16:creationId xmlns:a16="http://schemas.microsoft.com/office/drawing/2014/main" id="{8B23401F-1B76-40F2-A866-3DC3ACBA1F4A}"/>
+              </a:ext>
+            </a:extLst>
+          </p:cNvPr>
+          <p:cNvSpPr txBox="1"/>
+          <p:nvPr/>
+        </p:nvSpPr>
+        <p:spPr>
+          <a:xfrm>
+            <a:off x="7211462" y="1816920"/>
+            <a:ext cx="2245679" cy="646331"/>
+          </a:xfrm>
+          <a:prstGeom prst="rect">
+            <a:avLst/>
+          </a:prstGeom>
+          <a:noFill/>
+        </p:spPr>
+        <p:txBody>
+          <a:bodyPr wrap="none" rtlCol="0">
+            <a:spAutoFit/>
+          </a:bodyPr>
+          <a:lstStyle/>
+          <a:p>
+            <a:r>
+              <a:rPr lang="en-US" dirty="0"/>
+              <a:t>double minU = min.U;</a:t>
+            </a:r>
+          </a:p>
+          <a:p>
+            <a:r>
+              <a:rPr lang="en-US" dirty="0"/>
+              <a:t>double minV = min.V;</a:t>
+            </a:r>
+          </a:p>
+        </p:txBody>
+      </p:sp>
+      <p:pic>
+        <p:nvPicPr>
+          <p:cNvPr id="14" name="Picture 13" descr="A screenshot of a cell phone&#10;&#10;Description automatically generated">
+            <a:extLst>
+              <a:ext uri="{FF2B5EF4-FFF2-40B4-BE49-F238E27FC236}">
+                <a16:creationId xmlns:a16="http://schemas.microsoft.com/office/drawing/2014/main" id="{72E4F561-734A-4211-AFBF-AEB34851A5FC}"/>
+              </a:ext>
+            </a:extLst>
+          </p:cNvPr>
+          <p:cNvPicPr>
+            <a:picLocks noChangeAspect="1"/>
+          </p:cNvPicPr>
+          <p:nvPr/>
+        </p:nvPicPr>
+        <p:blipFill>
+          <a:blip r:embed="rId4">
+            <a:extLst>
+              <a:ext uri="{28A0092B-C50C-407E-A947-70E740481C1C}">
+                <a14:useLocalDpi xmlns:a14="http://schemas.microsoft.com/office/drawing/2010/main" val="0"/>
+              </a:ext>
+            </a:extLst>
+          </a:blip>
+          <a:stretch>
+            <a:fillRect/>
+          </a:stretch>
+        </p:blipFill>
+        <p:spPr>
+          <a:xfrm>
+            <a:off x="7279697" y="2670451"/>
+            <a:ext cx="1121507" cy="845534"/>
+          </a:xfrm>
+          <a:prstGeom prst="rect">
+            <a:avLst/>
+          </a:prstGeom>
+        </p:spPr>
+      </p:pic>
+      <p:pic>
+        <p:nvPicPr>
+          <p:cNvPr id="15" name="Picture 14" descr="A screenshot of a cell phone&#10;&#10;Description automatically generated">
+            <a:extLst>
+              <a:ext uri="{FF2B5EF4-FFF2-40B4-BE49-F238E27FC236}">
+                <a16:creationId xmlns:a16="http://schemas.microsoft.com/office/drawing/2014/main" id="{217D00EC-2E5B-4439-84CF-B46CB1231904}"/>
+              </a:ext>
+            </a:extLst>
+          </p:cNvPr>
+          <p:cNvPicPr>
+            <a:picLocks noChangeAspect="1"/>
+          </p:cNvPicPr>
+          <p:nvPr/>
+        </p:nvPicPr>
+        <p:blipFill>
+          <a:blip r:embed="rId5">
+            <a:extLst>
+              <a:ext uri="{28A0092B-C50C-407E-A947-70E740481C1C}">
+                <a14:useLocalDpi xmlns:a14="http://schemas.microsoft.com/office/drawing/2010/main" val="0"/>
+              </a:ext>
+            </a:extLst>
+          </a:blip>
+          <a:stretch>
+            <a:fillRect/>
+          </a:stretch>
+        </p:blipFill>
+        <p:spPr>
+          <a:xfrm>
+            <a:off x="8393286" y="2670451"/>
+            <a:ext cx="1198806" cy="845534"/>
+          </a:xfrm>
+          <a:prstGeom prst="rect">
+            <a:avLst/>
+          </a:prstGeom>
+        </p:spPr>
+      </p:pic>
+      <p:sp>
+        <p:nvSpPr>
+          <p:cNvPr id="17" name="Rectangle 16">
+            <a:extLst>
+              <a:ext uri="{FF2B5EF4-FFF2-40B4-BE49-F238E27FC236}">
+                <a16:creationId xmlns:a16="http://schemas.microsoft.com/office/drawing/2014/main" id="{8BCCF8A0-F9C7-4F6E-9F79-82B0195F3C94}"/>
+              </a:ext>
+            </a:extLst>
+          </p:cNvPr>
+          <p:cNvSpPr/>
+          <p:nvPr/>
+        </p:nvSpPr>
+        <p:spPr>
+          <a:xfrm>
+            <a:off x="4020188" y="4071680"/>
+            <a:ext cx="3455373" cy="2387774"/>
+          </a:xfrm>
+          <a:prstGeom prst="rect">
+            <a:avLst/>
+          </a:prstGeom>
+          <a:noFill/>
+          <a:ln w="38100">
+            <a:solidFill>
+              <a:schemeClr val="tx1">
+                <a:lumMod val="65000"/>
+                <a:lumOff val="35000"/>
+              </a:schemeClr>
+            </a:solidFill>
+          </a:ln>
+        </p:spPr>
+        <p:style>
+          <a:lnRef idx="2">
+            <a:schemeClr val="accent1">
+              <a:shade val="50000"/>
+            </a:schemeClr>
+          </a:lnRef>
+          <a:fillRef idx="1">
+            <a:schemeClr val="accent1"/>
+          </a:fillRef>
+          <a:effectRef idx="0">
+            <a:schemeClr val="accent1"/>
+          </a:effectRef>
+          <a:fontRef idx="minor">
+            <a:schemeClr val="lt1"/>
+          </a:fontRef>
+        </p:style>
+        <p:txBody>
+          <a:bodyPr rtlCol="0" anchor="ctr"/>
+          <a:lstStyle/>
+          <a:p>
+            <a:pPr algn="ctr"/>
+            <a:endParaRPr lang="en-SG" dirty="0"/>
+          </a:p>
+        </p:txBody>
+      </p:sp>
+      <p:sp>
+        <p:nvSpPr>
+          <p:cNvPr id="23" name="TextBox 22">
+            <a:extLst>
+              <a:ext uri="{FF2B5EF4-FFF2-40B4-BE49-F238E27FC236}">
+                <a16:creationId xmlns:a16="http://schemas.microsoft.com/office/drawing/2014/main" id="{F847A68A-0647-405E-81D6-9AF36D3D886F}"/>
+              </a:ext>
+            </a:extLst>
+          </p:cNvPr>
+          <p:cNvSpPr txBox="1"/>
+          <p:nvPr/>
+        </p:nvSpPr>
+        <p:spPr>
+          <a:xfrm>
+            <a:off x="6524719" y="4113774"/>
+            <a:ext cx="921534" cy="369332"/>
+          </a:xfrm>
+          <a:prstGeom prst="rect">
+            <a:avLst/>
+          </a:prstGeom>
+          <a:noFill/>
+        </p:spPr>
+        <p:txBody>
+          <a:bodyPr wrap="none" rtlCol="0">
+            <a:spAutoFit/>
+          </a:bodyPr>
+          <a:lstStyle/>
+          <a:p>
+            <a:r>
+              <a:rPr lang="en-US" dirty="0"/>
+              <a:t>Max UV</a:t>
+            </a:r>
+            <a:endParaRPr lang="en-SG" dirty="0"/>
+          </a:p>
+        </p:txBody>
+      </p:sp>
+      <p:sp>
+        <p:nvSpPr>
+          <p:cNvPr id="27" name="TextBox 26">
+            <a:extLst>
+              <a:ext uri="{FF2B5EF4-FFF2-40B4-BE49-F238E27FC236}">
+                <a16:creationId xmlns:a16="http://schemas.microsoft.com/office/drawing/2014/main" id="{D0FA0D08-9830-4C8E-B39D-068B530BE34F}"/>
+              </a:ext>
+            </a:extLst>
+          </p:cNvPr>
+          <p:cNvSpPr txBox="1"/>
+          <p:nvPr/>
+        </p:nvSpPr>
+        <p:spPr>
+          <a:xfrm>
+            <a:off x="4086593" y="6043802"/>
+            <a:ext cx="888385" cy="369332"/>
+          </a:xfrm>
+          <a:prstGeom prst="rect">
+            <a:avLst/>
+          </a:prstGeom>
+          <a:noFill/>
+        </p:spPr>
+        <p:txBody>
+          <a:bodyPr wrap="none" rtlCol="0">
+            <a:spAutoFit/>
+          </a:bodyPr>
+          <a:lstStyle/>
+          <a:p>
+            <a:r>
+              <a:rPr lang="en-US" dirty="0"/>
+              <a:t>Min UV</a:t>
+            </a:r>
+            <a:endParaRPr lang="en-SG" dirty="0"/>
+          </a:p>
+        </p:txBody>
+      </p:sp>
+      <p:cxnSp>
+        <p:nvCxnSpPr>
+          <p:cNvPr id="33" name="Straight Arrow Connector 32">
+            <a:extLst>
+              <a:ext uri="{FF2B5EF4-FFF2-40B4-BE49-F238E27FC236}">
+                <a16:creationId xmlns:a16="http://schemas.microsoft.com/office/drawing/2014/main" id="{A51267C5-AB13-41E9-B359-D2DA49692434}"/>
+              </a:ext>
+            </a:extLst>
+          </p:cNvPr>
+          <p:cNvCxnSpPr>
+            <a:cxnSpLocks/>
+          </p:cNvCxnSpPr>
+          <p:nvPr/>
+        </p:nvCxnSpPr>
+        <p:spPr>
+          <a:xfrm>
+            <a:off x="5469354" y="3972693"/>
+            <a:ext cx="626598" cy="0"/>
+          </a:xfrm>
+          <a:prstGeom prst="straightConnector1">
+            <a:avLst/>
+          </a:prstGeom>
+          <a:ln>
+            <a:solidFill>
+              <a:schemeClr val="tx1">
+                <a:lumMod val="65000"/>
+                <a:lumOff val="35000"/>
+              </a:schemeClr>
+            </a:solidFill>
+            <a:tailEnd type="triangle"/>
+          </a:ln>
+        </p:spPr>
+        <p:style>
+          <a:lnRef idx="1">
+            <a:schemeClr val="accent1"/>
+          </a:lnRef>
+          <a:fillRef idx="0">
+            <a:schemeClr val="accent1"/>
+          </a:fillRef>
+          <a:effectRef idx="0">
+            <a:schemeClr val="accent1"/>
+          </a:effectRef>
+          <a:fontRef idx="minor">
+            <a:schemeClr val="tx1"/>
+          </a:fontRef>
+        </p:style>
+      </p:cxnSp>
+      <p:sp>
+        <p:nvSpPr>
+          <p:cNvPr id="35" name="TextBox 34">
+            <a:extLst>
+              <a:ext uri="{FF2B5EF4-FFF2-40B4-BE49-F238E27FC236}">
+                <a16:creationId xmlns:a16="http://schemas.microsoft.com/office/drawing/2014/main" id="{1F5BBA2B-AB8B-4A0C-9FF8-837F4473F5D7}"/>
+              </a:ext>
+            </a:extLst>
+          </p:cNvPr>
+          <p:cNvSpPr txBox="1"/>
+          <p:nvPr/>
+        </p:nvSpPr>
+        <p:spPr>
+          <a:xfrm>
+            <a:off x="5364188" y="3652855"/>
+            <a:ext cx="760144" cy="369332"/>
+          </a:xfrm>
+          <a:prstGeom prst="rect">
+            <a:avLst/>
+          </a:prstGeom>
+          <a:noFill/>
+        </p:spPr>
+        <p:txBody>
+          <a:bodyPr wrap="none" rtlCol="0">
+            <a:spAutoFit/>
+          </a:bodyPr>
+          <a:lstStyle/>
+          <a:p>
+            <a:r>
+              <a:rPr lang="en-US" dirty="0"/>
+              <a:t>U Axis</a:t>
+            </a:r>
+            <a:endParaRPr lang="en-SG" dirty="0"/>
+          </a:p>
+        </p:txBody>
+      </p:sp>
+      <p:cxnSp>
+        <p:nvCxnSpPr>
+          <p:cNvPr id="36" name="Straight Arrow Connector 35">
+            <a:extLst>
+              <a:ext uri="{FF2B5EF4-FFF2-40B4-BE49-F238E27FC236}">
+                <a16:creationId xmlns:a16="http://schemas.microsoft.com/office/drawing/2014/main" id="{05988332-A8DD-4FFF-BEAA-95B02C3DDD21}"/>
+              </a:ext>
+            </a:extLst>
+          </p:cNvPr>
+          <p:cNvCxnSpPr>
+            <a:cxnSpLocks/>
+          </p:cNvCxnSpPr>
+          <p:nvPr/>
+        </p:nvCxnSpPr>
+        <p:spPr>
+          <a:xfrm flipV="1">
+            <a:off x="7595488" y="5025512"/>
+            <a:ext cx="0" cy="463825"/>
+          </a:xfrm>
+          <a:prstGeom prst="straightConnector1">
+            <a:avLst/>
+          </a:prstGeom>
+          <a:ln>
+            <a:solidFill>
+              <a:schemeClr val="tx1">
+                <a:lumMod val="65000"/>
+                <a:lumOff val="35000"/>
+              </a:schemeClr>
+            </a:solidFill>
+            <a:tailEnd type="triangle"/>
+          </a:ln>
+        </p:spPr>
+        <p:style>
+          <a:lnRef idx="1">
+            <a:schemeClr val="accent1"/>
+          </a:lnRef>
+          <a:fillRef idx="0">
+            <a:schemeClr val="accent1"/>
+          </a:fillRef>
+          <a:effectRef idx="0">
+            <a:schemeClr val="accent1"/>
+          </a:effectRef>
+          <a:fontRef idx="minor">
+            <a:schemeClr val="tx1"/>
+          </a:fontRef>
+        </p:style>
+      </p:cxnSp>
+      <p:sp>
+        <p:nvSpPr>
+          <p:cNvPr id="37" name="TextBox 36">
+            <a:extLst>
+              <a:ext uri="{FF2B5EF4-FFF2-40B4-BE49-F238E27FC236}">
+                <a16:creationId xmlns:a16="http://schemas.microsoft.com/office/drawing/2014/main" id="{C248B770-1350-40C4-80EA-323F066BEB70}"/>
+              </a:ext>
+            </a:extLst>
+          </p:cNvPr>
+          <p:cNvSpPr txBox="1"/>
+          <p:nvPr/>
+        </p:nvSpPr>
+        <p:spPr>
+          <a:xfrm>
+            <a:off x="7574158" y="5128019"/>
+            <a:ext cx="760144" cy="369332"/>
+          </a:xfrm>
+          <a:prstGeom prst="rect">
+            <a:avLst/>
+          </a:prstGeom>
+          <a:noFill/>
+        </p:spPr>
+        <p:txBody>
+          <a:bodyPr wrap="none" rtlCol="0">
+            <a:spAutoFit/>
+          </a:bodyPr>
+          <a:lstStyle/>
+          <a:p>
+            <a:r>
+              <a:rPr lang="en-US" dirty="0"/>
+              <a:t>V Axis</a:t>
+            </a:r>
+            <a:endParaRPr lang="en-SG" dirty="0"/>
+          </a:p>
+        </p:txBody>
+      </p:sp>
+      <p:sp>
+        <p:nvSpPr>
+          <p:cNvPr id="40" name="TextBox 39">
+            <a:extLst>
+              <a:ext uri="{FF2B5EF4-FFF2-40B4-BE49-F238E27FC236}">
+                <a16:creationId xmlns:a16="http://schemas.microsoft.com/office/drawing/2014/main" id="{4A5CE174-029E-4A99-BC72-9DEB0F015E16}"/>
+              </a:ext>
+            </a:extLst>
+          </p:cNvPr>
+          <p:cNvSpPr txBox="1"/>
+          <p:nvPr/>
+        </p:nvSpPr>
+        <p:spPr>
+          <a:xfrm>
+            <a:off x="3789446" y="6380957"/>
+            <a:ext cx="301686" cy="369332"/>
+          </a:xfrm>
+          <a:prstGeom prst="rect">
+            <a:avLst/>
+          </a:prstGeom>
+          <a:noFill/>
+        </p:spPr>
+        <p:txBody>
+          <a:bodyPr wrap="none" rtlCol="0">
+            <a:spAutoFit/>
+          </a:bodyPr>
+          <a:lstStyle/>
+          <a:p>
+            <a:r>
+              <a:rPr lang="en-US" dirty="0"/>
+              <a:t>0</a:t>
+            </a:r>
+            <a:endParaRPr lang="en-SG" dirty="0"/>
+          </a:p>
+        </p:txBody>
+      </p:sp>
+      <p:sp>
+        <p:nvSpPr>
+          <p:cNvPr id="41" name="TextBox 40">
+            <a:extLst>
+              <a:ext uri="{FF2B5EF4-FFF2-40B4-BE49-F238E27FC236}">
+                <a16:creationId xmlns:a16="http://schemas.microsoft.com/office/drawing/2014/main" id="{F1371B72-EDD9-4CB4-AFAB-F41E94A2754B}"/>
+              </a:ext>
+            </a:extLst>
+          </p:cNvPr>
+          <p:cNvSpPr txBox="1"/>
+          <p:nvPr/>
+        </p:nvSpPr>
+        <p:spPr>
+          <a:xfrm>
+            <a:off x="7410172" y="3796585"/>
+            <a:ext cx="1144159" cy="369332"/>
+          </a:xfrm>
+          <a:prstGeom prst="rect">
+            <a:avLst/>
+          </a:prstGeom>
+          <a:noFill/>
+        </p:spPr>
+        <p:txBody>
+          <a:bodyPr wrap="none" rtlCol="0">
+            <a:spAutoFit/>
+          </a:bodyPr>
+          <a:lstStyle/>
+          <a:p>
+            <a:r>
+              <a:rPr lang="en-US" dirty="0"/>
+              <a:t>max value</a:t>
+            </a:r>
+            <a:endParaRPr lang="en-SG" dirty="0"/>
+          </a:p>
+        </p:txBody>
+      </p:sp>
+      <p:cxnSp>
+        <p:nvCxnSpPr>
+          <p:cNvPr id="49" name="Straight Arrow Connector 48">
+            <a:extLst>
+              <a:ext uri="{FF2B5EF4-FFF2-40B4-BE49-F238E27FC236}">
+                <a16:creationId xmlns:a16="http://schemas.microsoft.com/office/drawing/2014/main" id="{A56AE866-4DEB-421F-B790-E21A98278A4C}"/>
+              </a:ext>
+            </a:extLst>
+          </p:cNvPr>
+          <p:cNvCxnSpPr>
+            <a:cxnSpLocks/>
+          </p:cNvCxnSpPr>
+          <p:nvPr/>
+        </p:nvCxnSpPr>
+        <p:spPr>
+          <a:xfrm flipH="1">
+            <a:off x="4033015" y="5257425"/>
+            <a:ext cx="245394" cy="0"/>
+          </a:xfrm>
+          <a:prstGeom prst="straightConnector1">
+            <a:avLst/>
+          </a:prstGeom>
+          <a:ln w="19050">
+            <a:solidFill>
+              <a:schemeClr val="tx1">
+                <a:lumMod val="65000"/>
+                <a:lumOff val="35000"/>
+              </a:schemeClr>
+            </a:solidFill>
+            <a:tailEnd type="triangle"/>
+          </a:ln>
+        </p:spPr>
+        <p:style>
+          <a:lnRef idx="1">
+            <a:schemeClr val="accent1"/>
+          </a:lnRef>
+          <a:fillRef idx="0">
+            <a:schemeClr val="accent1"/>
+          </a:fillRef>
+          <a:effectRef idx="0">
+            <a:schemeClr val="accent1"/>
+          </a:effectRef>
+          <a:fontRef idx="minor">
+            <a:schemeClr val="tx1"/>
+          </a:fontRef>
+        </p:style>
+      </p:cxnSp>
+      <p:sp>
+        <p:nvSpPr>
+          <p:cNvPr id="53" name="TextBox 52">
+            <a:extLst>
+              <a:ext uri="{FF2B5EF4-FFF2-40B4-BE49-F238E27FC236}">
+                <a16:creationId xmlns:a16="http://schemas.microsoft.com/office/drawing/2014/main" id="{3499BE6F-3795-4ECC-8C43-DE635B7B7143}"/>
+              </a:ext>
+            </a:extLst>
+          </p:cNvPr>
+          <p:cNvSpPr txBox="1"/>
+          <p:nvPr/>
+        </p:nvSpPr>
+        <p:spPr>
+          <a:xfrm>
+            <a:off x="4278409" y="5049165"/>
+            <a:ext cx="1465851" cy="369332"/>
+          </a:xfrm>
+          <a:prstGeom prst="rect">
+            <a:avLst/>
+          </a:prstGeom>
+          <a:noFill/>
+        </p:spPr>
+        <p:txBody>
+          <a:bodyPr wrap="none" rtlCol="0">
+            <a:spAutoFit/>
+          </a:bodyPr>
+          <a:lstStyle/>
+          <a:p>
+            <a:r>
+              <a:rPr lang="en-US" dirty="0"/>
+              <a:t>Sheet Outline</a:t>
+            </a:r>
+            <a:endParaRPr lang="en-SG" dirty="0"/>
+          </a:p>
+        </p:txBody>
+      </p:sp>
+      <p:sp>
+        <p:nvSpPr>
+          <p:cNvPr id="54" name="Oval 53">
+            <a:extLst>
+              <a:ext uri="{FF2B5EF4-FFF2-40B4-BE49-F238E27FC236}">
+                <a16:creationId xmlns:a16="http://schemas.microsoft.com/office/drawing/2014/main" id="{674E32A0-9FA5-4ABA-9DBB-3A048017BB5A}"/>
+              </a:ext>
+            </a:extLst>
+          </p:cNvPr>
+          <p:cNvSpPr/>
+          <p:nvPr/>
+        </p:nvSpPr>
+        <p:spPr>
+          <a:xfrm>
+            <a:off x="4086593" y="6043801"/>
+            <a:ext cx="888385" cy="352179"/>
+          </a:xfrm>
+          <a:prstGeom prst="ellipse">
+            <a:avLst/>
+          </a:prstGeom>
+          <a:noFill/>
+          <a:ln>
+            <a:solidFill>
+              <a:schemeClr val="tx1">
+                <a:lumMod val="65000"/>
+                <a:lumOff val="35000"/>
+              </a:schemeClr>
+            </a:solidFill>
+          </a:ln>
+        </p:spPr>
+        <p:style>
+          <a:lnRef idx="2">
+            <a:schemeClr val="accent1">
+              <a:shade val="50000"/>
+            </a:schemeClr>
+          </a:lnRef>
+          <a:fillRef idx="1">
+            <a:schemeClr val="accent1"/>
+          </a:fillRef>
+          <a:effectRef idx="0">
+            <a:schemeClr val="accent1"/>
+          </a:effectRef>
+          <a:fontRef idx="minor">
+            <a:schemeClr val="lt1"/>
+          </a:fontRef>
+        </p:style>
+        <p:txBody>
+          <a:bodyPr rtlCol="0" anchor="ctr"/>
+          <a:lstStyle/>
+          <a:p>
+            <a:pPr algn="ctr"/>
+            <a:endParaRPr lang="en-SG"/>
+          </a:p>
+        </p:txBody>
+      </p:sp>
+      <p:sp>
+        <p:nvSpPr>
+          <p:cNvPr id="55" name="Oval 54">
+            <a:extLst>
+              <a:ext uri="{FF2B5EF4-FFF2-40B4-BE49-F238E27FC236}">
+                <a16:creationId xmlns:a16="http://schemas.microsoft.com/office/drawing/2014/main" id="{AD5C431A-F4A7-4BA9-BE07-4583D62C46C7}"/>
+              </a:ext>
+            </a:extLst>
+          </p:cNvPr>
+          <p:cNvSpPr/>
+          <p:nvPr/>
+        </p:nvSpPr>
+        <p:spPr>
+          <a:xfrm>
+            <a:off x="6521787" y="4122350"/>
+            <a:ext cx="888385" cy="352179"/>
+          </a:xfrm>
+          <a:prstGeom prst="ellipse">
+            <a:avLst/>
+          </a:prstGeom>
+          <a:noFill/>
+          <a:ln>
+            <a:solidFill>
+              <a:schemeClr val="tx1">
+                <a:lumMod val="65000"/>
+                <a:lumOff val="35000"/>
+              </a:schemeClr>
+            </a:solidFill>
+          </a:ln>
+        </p:spPr>
+        <p:style>
+          <a:lnRef idx="2">
+            <a:schemeClr val="accent1">
+              <a:shade val="50000"/>
+            </a:schemeClr>
+          </a:lnRef>
+          <a:fillRef idx="1">
+            <a:schemeClr val="accent1"/>
+          </a:fillRef>
+          <a:effectRef idx="0">
+            <a:schemeClr val="accent1"/>
+          </a:effectRef>
+          <a:fontRef idx="minor">
+            <a:schemeClr val="lt1"/>
+          </a:fontRef>
+        </p:style>
+        <p:txBody>
+          <a:bodyPr rtlCol="0" anchor="ctr"/>
+          <a:lstStyle/>
+          <a:p>
+            <a:pPr algn="ctr"/>
+            <a:endParaRPr lang="en-SG"/>
+          </a:p>
+        </p:txBody>
+      </p:sp>
+    </p:spTree>
+    <p:extLst>
+      <p:ext uri="{BB962C8B-B14F-4D97-AF65-F5344CB8AC3E}">
+        <p14:creationId xmlns:p14="http://schemas.microsoft.com/office/powerpoint/2010/main" val="3778475859"/>
+      </p:ext>
+    </p:extLst>
+  </p:cSld>
+  <p:clrMapOvr>
+    <a:masterClrMapping/>
+  </p:clrMapOvr>
+</p:sld>
+</file>
+
+<file path=ppt/slides/slide3.xml><?xml version="1.0" encoding="utf-8"?>
+<p:sld xmlns:a="http://schemas.openxmlformats.org/drawingml/2006/main" xmlns:r="http://schemas.openxmlformats.org/officeDocument/2006/relationships" xmlns:p="http://schemas.openxmlformats.org/presentationml/2006/main">
+  <p:cSld>
+    <p:spTree>
+      <p:nvGrpSpPr>
+        <p:cNvPr id="1" name=""/>
+        <p:cNvGrpSpPr/>
+        <p:nvPr/>
+      </p:nvGrpSpPr>
+      <p:grpSpPr>
+        <a:xfrm>
+          <a:off x="0" y="0"/>
+          <a:ext cx="0" cy="0"/>
+          <a:chOff x="0" y="0"/>
+          <a:chExt cx="0" cy="0"/>
+        </a:xfrm>
+      </p:grpSpPr>
+      <p:sp>
+        <p:nvSpPr>
+          <p:cNvPr id="5" name="TextBox 4">
+            <a:extLst>
+              <a:ext uri="{FF2B5EF4-FFF2-40B4-BE49-F238E27FC236}">
+                <a16:creationId xmlns:a16="http://schemas.microsoft.com/office/drawing/2014/main" id="{0F39F0A0-87E2-4C67-94B5-4AC94C4BD56F}"/>
+              </a:ext>
+            </a:extLst>
+          </p:cNvPr>
+          <p:cNvSpPr txBox="1"/>
+          <p:nvPr/>
+        </p:nvSpPr>
+        <p:spPr>
+          <a:xfrm>
+            <a:off x="422244" y="3642026"/>
+            <a:ext cx="5895204" cy="369332"/>
+          </a:xfrm>
+          <a:prstGeom prst="rect">
+            <a:avLst/>
+          </a:prstGeom>
+          <a:noFill/>
+        </p:spPr>
+        <p:txBody>
+          <a:bodyPr wrap="none" rtlCol="0">
+            <a:spAutoFit/>
+          </a:bodyPr>
+          <a:lstStyle/>
+          <a:p>
+            <a:r>
+              <a:rPr lang="en-US" dirty="0"/>
+              <a:t>XYZ location = XYZ( (maxU – minU)/A , (maxU – minU)/B , 0 ); </a:t>
+            </a:r>
+          </a:p>
+        </p:txBody>
+      </p:sp>
+      <p:pic>
+        <p:nvPicPr>
+          <p:cNvPr id="7" name="Picture 6" descr="A screenshot of a cell phone&#10;&#10;Description automatically generated">
+            <a:extLst>
+              <a:ext uri="{FF2B5EF4-FFF2-40B4-BE49-F238E27FC236}">
+                <a16:creationId xmlns:a16="http://schemas.microsoft.com/office/drawing/2014/main" id="{2D7F6245-0361-4535-9F92-238E8DC6A024}"/>
+              </a:ext>
+            </a:extLst>
+          </p:cNvPr>
+          <p:cNvPicPr>
+            <a:picLocks noChangeAspect="1"/>
+          </p:cNvPicPr>
+          <p:nvPr/>
+        </p:nvPicPr>
+        <p:blipFill>
+          <a:blip r:embed="rId2">
+            <a:extLst>
+              <a:ext uri="{28A0092B-C50C-407E-A947-70E740481C1C}">
+                <a14:useLocalDpi xmlns:a14="http://schemas.microsoft.com/office/drawing/2010/main" val="0"/>
+              </a:ext>
+            </a:extLst>
+          </a:blip>
+          <a:stretch>
+            <a:fillRect/>
+          </a:stretch>
+        </p:blipFill>
+        <p:spPr>
+          <a:xfrm>
+            <a:off x="422244" y="1370895"/>
+            <a:ext cx="2385267" cy="1409822"/>
+          </a:xfrm>
+          <a:prstGeom prst="rect">
+            <a:avLst/>
+          </a:prstGeom>
+        </p:spPr>
+      </p:pic>
+      <p:pic>
+        <p:nvPicPr>
+          <p:cNvPr id="9" name="Picture 8" descr="A screenshot of a cell phone&#10;&#10;Description automatically generated">
+            <a:extLst>
+              <a:ext uri="{FF2B5EF4-FFF2-40B4-BE49-F238E27FC236}">
+                <a16:creationId xmlns:a16="http://schemas.microsoft.com/office/drawing/2014/main" id="{B1D516B2-FF9C-40F9-BF64-6A969CAAB145}"/>
+              </a:ext>
+            </a:extLst>
+          </p:cNvPr>
+          <p:cNvPicPr>
+            <a:picLocks noChangeAspect="1"/>
+          </p:cNvPicPr>
+          <p:nvPr/>
+        </p:nvPicPr>
+        <p:blipFill>
+          <a:blip r:embed="rId3">
+            <a:extLst>
+              <a:ext uri="{28A0092B-C50C-407E-A947-70E740481C1C}">
+                <a14:useLocalDpi xmlns:a14="http://schemas.microsoft.com/office/drawing/2010/main" val="0"/>
+              </a:ext>
+            </a:extLst>
+          </a:blip>
+          <a:stretch>
+            <a:fillRect/>
+          </a:stretch>
+        </p:blipFill>
+        <p:spPr>
+          <a:xfrm>
+            <a:off x="3565438" y="980541"/>
+            <a:ext cx="3109229" cy="2537680"/>
+          </a:xfrm>
+          <a:prstGeom prst="rect">
+            <a:avLst/>
+          </a:prstGeom>
+        </p:spPr>
+      </p:pic>
+      <p:pic>
+        <p:nvPicPr>
+          <p:cNvPr id="11" name="Picture 10" descr="A close up of a logo&#10;&#10;Description automatically generated">
+            <a:extLst>
+              <a:ext uri="{FF2B5EF4-FFF2-40B4-BE49-F238E27FC236}">
+                <a16:creationId xmlns:a16="http://schemas.microsoft.com/office/drawing/2014/main" id="{F4F8307B-2C88-4F1B-953D-978784A9C045}"/>
+              </a:ext>
+            </a:extLst>
+          </p:cNvPr>
+          <p:cNvPicPr>
+            <a:picLocks noChangeAspect="1"/>
+          </p:cNvPicPr>
+          <p:nvPr/>
+        </p:nvPicPr>
+        <p:blipFill>
+          <a:blip r:embed="rId4">
+            <a:extLst>
+              <a:ext uri="{28A0092B-C50C-407E-A947-70E740481C1C}">
+                <a14:useLocalDpi xmlns:a14="http://schemas.microsoft.com/office/drawing/2010/main" val="0"/>
+              </a:ext>
+            </a:extLst>
+          </a:blip>
+          <a:stretch>
+            <a:fillRect/>
+          </a:stretch>
+        </p:blipFill>
+        <p:spPr>
+          <a:xfrm>
+            <a:off x="392919" y="980541"/>
+            <a:ext cx="2964437" cy="266723"/>
+          </a:xfrm>
+          <a:prstGeom prst="rect">
+            <a:avLst/>
+          </a:prstGeom>
+        </p:spPr>
+      </p:pic>
+      <p:sp>
+        <p:nvSpPr>
+          <p:cNvPr id="12" name="TextBox 11">
+            <a:extLst>
+              <a:ext uri="{FF2B5EF4-FFF2-40B4-BE49-F238E27FC236}">
+                <a16:creationId xmlns:a16="http://schemas.microsoft.com/office/drawing/2014/main" id="{7620E4F0-23D6-4BE9-A5AC-FFAA5E0648BA}"/>
+              </a:ext>
+            </a:extLst>
+          </p:cNvPr>
+          <p:cNvSpPr txBox="1"/>
+          <p:nvPr/>
+        </p:nvSpPr>
+        <p:spPr>
+          <a:xfrm>
+            <a:off x="3786167" y="0"/>
+            <a:ext cx="4619663" cy="369332"/>
+          </a:xfrm>
+          <a:prstGeom prst="rect">
+            <a:avLst/>
+          </a:prstGeom>
+          <a:noFill/>
+        </p:spPr>
+        <p:txBody>
+          <a:bodyPr wrap="none" rtlCol="0">
+            <a:spAutoFit/>
+          </a:bodyPr>
+          <a:lstStyle/>
+          <a:p>
+            <a:r>
+              <a:rPr lang="en-US" dirty="0"/>
+              <a:t>Viewport &amp; Location Distribution on ViewSheet</a:t>
+            </a:r>
+          </a:p>
+        </p:txBody>
+      </p:sp>
+      <p:sp>
+        <p:nvSpPr>
+          <p:cNvPr id="13" name="TextBox 12">
+            <a:extLst>
+              <a:ext uri="{FF2B5EF4-FFF2-40B4-BE49-F238E27FC236}">
+                <a16:creationId xmlns:a16="http://schemas.microsoft.com/office/drawing/2014/main" id="{8730F497-8992-4D34-8AB2-5EBB740B34A7}"/>
+              </a:ext>
+            </a:extLst>
+          </p:cNvPr>
+          <p:cNvSpPr txBox="1"/>
+          <p:nvPr/>
+        </p:nvSpPr>
+        <p:spPr>
+          <a:xfrm>
+            <a:off x="392919" y="542064"/>
+            <a:ext cx="7171515" cy="369332"/>
+          </a:xfrm>
+          <a:prstGeom prst="rect">
+            <a:avLst/>
+          </a:prstGeom>
+          <a:noFill/>
+        </p:spPr>
+        <p:txBody>
+          <a:bodyPr wrap="none" rtlCol="0">
+            <a:spAutoFit/>
+          </a:bodyPr>
+          <a:lstStyle/>
+          <a:p>
+            <a:r>
+              <a:rPr lang="en-US" dirty="0"/>
+              <a:t>Viewport viewPort = Viewport.Create(doc, viewSheet.Id, view.Id, location); </a:t>
+            </a:r>
+          </a:p>
+        </p:txBody>
+      </p:sp>
+      <p:cxnSp>
+        <p:nvCxnSpPr>
+          <p:cNvPr id="18" name="Straight Connector 17">
+            <a:extLst>
+              <a:ext uri="{FF2B5EF4-FFF2-40B4-BE49-F238E27FC236}">
+                <a16:creationId xmlns:a16="http://schemas.microsoft.com/office/drawing/2014/main" id="{C35EBE9F-BD4F-4245-9E46-6281621BD323}"/>
+              </a:ext>
+            </a:extLst>
+          </p:cNvPr>
+          <p:cNvCxnSpPr>
+            <a:cxnSpLocks/>
+          </p:cNvCxnSpPr>
+          <p:nvPr/>
+        </p:nvCxnSpPr>
+        <p:spPr>
+          <a:xfrm>
+            <a:off x="509954" y="3554689"/>
+            <a:ext cx="6427177" cy="7114"/>
+          </a:xfrm>
+          <a:prstGeom prst="line">
+            <a:avLst/>
+          </a:prstGeom>
+          <a:ln>
+            <a:solidFill>
+              <a:schemeClr val="bg1">
+                <a:lumMod val="85000"/>
+              </a:schemeClr>
+            </a:solidFill>
+          </a:ln>
+        </p:spPr>
+        <p:style>
+          <a:lnRef idx="1">
+            <a:schemeClr val="accent1"/>
+          </a:lnRef>
+          <a:fillRef idx="0">
+            <a:schemeClr val="accent1"/>
+          </a:fillRef>
+          <a:effectRef idx="0">
+            <a:schemeClr val="accent1"/>
+          </a:effectRef>
+          <a:fontRef idx="minor">
+            <a:schemeClr val="tx1"/>
+          </a:fontRef>
+        </p:style>
+      </p:cxnSp>
+      <p:sp>
+        <p:nvSpPr>
+          <p:cNvPr id="21" name="TextBox 20">
+            <a:extLst>
+              <a:ext uri="{FF2B5EF4-FFF2-40B4-BE49-F238E27FC236}">
+                <a16:creationId xmlns:a16="http://schemas.microsoft.com/office/drawing/2014/main" id="{AE1FBBD1-F707-4065-9587-300312CFEE25}"/>
+              </a:ext>
+            </a:extLst>
+          </p:cNvPr>
+          <p:cNvSpPr txBox="1"/>
+          <p:nvPr/>
+        </p:nvSpPr>
+        <p:spPr>
+          <a:xfrm>
+            <a:off x="8436154" y="2097073"/>
+            <a:ext cx="2275688" cy="369332"/>
+          </a:xfrm>
+          <a:prstGeom prst="rect">
+            <a:avLst/>
+          </a:prstGeom>
+          <a:noFill/>
+        </p:spPr>
+        <p:txBody>
+          <a:bodyPr wrap="none" rtlCol="0">
+            <a:spAutoFit/>
+          </a:bodyPr>
+          <a:lstStyle/>
+          <a:p>
+            <a:r>
+              <a:rPr lang="en-US" dirty="0"/>
+              <a:t>UV &amp; XYZ Relationship</a:t>
+            </a:r>
+            <a:endParaRPr lang="en-SG" dirty="0"/>
+          </a:p>
+        </p:txBody>
+      </p:sp>
+      <p:sp>
+        <p:nvSpPr>
+          <p:cNvPr id="28" name="TextBox 27">
+            <a:extLst>
+              <a:ext uri="{FF2B5EF4-FFF2-40B4-BE49-F238E27FC236}">
+                <a16:creationId xmlns:a16="http://schemas.microsoft.com/office/drawing/2014/main" id="{3C2402F7-E9E1-487D-ACDE-D38E5372CC72}"/>
+              </a:ext>
+            </a:extLst>
+          </p:cNvPr>
+          <p:cNvSpPr txBox="1"/>
+          <p:nvPr/>
+        </p:nvSpPr>
+        <p:spPr>
+          <a:xfrm>
+            <a:off x="7277707" y="2553743"/>
+            <a:ext cx="4831387" cy="2862322"/>
+          </a:xfrm>
+          <a:prstGeom prst="rect">
+            <a:avLst/>
+          </a:prstGeom>
+          <a:noFill/>
+        </p:spPr>
+        <p:txBody>
+          <a:bodyPr wrap="none" rtlCol="0">
+            <a:spAutoFit/>
+          </a:bodyPr>
+          <a:lstStyle/>
+          <a:p>
+            <a:pPr marL="285750" indent="-285750">
+              <a:buFont typeface="Arial" panose="020B0604020202020204" pitchFamily="34" charset="0"/>
+              <a:buChar char="•"/>
+            </a:pPr>
+            <a:r>
+              <a:rPr lang="en-US" dirty="0"/>
+              <a:t>X value collect from net U value (max - min).</a:t>
+            </a:r>
+          </a:p>
+          <a:p>
+            <a:pPr marL="285750" indent="-285750">
+              <a:buFont typeface="Arial" panose="020B0604020202020204" pitchFamily="34" charset="0"/>
+              <a:buChar char="•"/>
+            </a:pPr>
+            <a:r>
+              <a:rPr lang="en-US" dirty="0"/>
+              <a:t>Y value collect from net V value (max - min).</a:t>
+            </a:r>
+          </a:p>
+          <a:p>
+            <a:pPr marL="285750" indent="-285750">
+              <a:buFont typeface="Arial" panose="020B0604020202020204" pitchFamily="34" charset="0"/>
+              <a:buChar char="•"/>
+            </a:pPr>
+            <a:r>
+              <a:rPr lang="en-US" dirty="0"/>
+              <a:t>Z value is zero. (2D Environment)</a:t>
+            </a:r>
+          </a:p>
+          <a:p>
+            <a:pPr marL="285750" indent="-285750">
+              <a:buFont typeface="Arial" panose="020B0604020202020204" pitchFamily="34" charset="0"/>
+              <a:buChar char="•"/>
+            </a:pPr>
+            <a:r>
+              <a:rPr lang="en-US" dirty="0"/>
+              <a:t>A is a divisible value related to X,  For multiple </a:t>
+            </a:r>
+            <a:br>
+              <a:rPr lang="en-US" dirty="0"/>
+            </a:br>
+            <a:r>
+              <a:rPr lang="en-US" dirty="0"/>
+              <a:t>viewports on a same sheet, A value is varies.</a:t>
+            </a:r>
+          </a:p>
+          <a:p>
+            <a:pPr marL="285750" indent="-285750">
+              <a:buFont typeface="Arial" panose="020B0604020202020204" pitchFamily="34" charset="0"/>
+              <a:buChar char="•"/>
+            </a:pPr>
+            <a:r>
+              <a:rPr lang="en-US" dirty="0"/>
+              <a:t>B is a divisible value related to Y,  For multiple </a:t>
+            </a:r>
+            <a:br>
+              <a:rPr lang="en-US" dirty="0"/>
+            </a:br>
+            <a:r>
+              <a:rPr lang="en-US" dirty="0"/>
+              <a:t>viewports on a same sheet, B value is varies.</a:t>
+            </a:r>
+          </a:p>
+          <a:p>
+            <a:pPr marL="285750" indent="-285750">
+              <a:buFont typeface="Arial" panose="020B0604020202020204" pitchFamily="34" charset="0"/>
+              <a:buChar char="•"/>
+            </a:pPr>
+            <a:r>
+              <a:rPr lang="en-US" dirty="0"/>
+              <a:t>So, X value formula is (maxU – minU)/A and </a:t>
+            </a:r>
+            <a:br>
+              <a:rPr lang="en-US" dirty="0"/>
+            </a:br>
+            <a:r>
+              <a:rPr lang="en-US" dirty="0"/>
+              <a:t>Y value formula is (maxU – minU)/B </a:t>
+            </a:r>
+            <a:endParaRPr lang="en-SG" dirty="0"/>
+          </a:p>
+          <a:p>
+            <a:endParaRPr lang="en-SG" dirty="0"/>
+          </a:p>
+        </p:txBody>
+      </p:sp>
+      <p:pic>
+        <p:nvPicPr>
+          <p:cNvPr id="31" name="Picture 30" descr="A screenshot of a cell phone&#10;&#10;Description automatically generated">
+            <a:extLst>
+              <a:ext uri="{FF2B5EF4-FFF2-40B4-BE49-F238E27FC236}">
+                <a16:creationId xmlns:a16="http://schemas.microsoft.com/office/drawing/2014/main" id="{193DFE04-B221-4030-AF95-4978BD25D983}"/>
+              </a:ext>
+            </a:extLst>
+          </p:cNvPr>
+          <p:cNvPicPr>
+            <a:picLocks noChangeAspect="1"/>
+          </p:cNvPicPr>
+          <p:nvPr/>
+        </p:nvPicPr>
+        <p:blipFill>
+          <a:blip r:embed="rId5">
+            <a:extLst>
+              <a:ext uri="{28A0092B-C50C-407E-A947-70E740481C1C}">
+                <a14:useLocalDpi xmlns:a14="http://schemas.microsoft.com/office/drawing/2010/main" val="0"/>
+              </a:ext>
+            </a:extLst>
+          </a:blip>
+          <a:stretch>
+            <a:fillRect/>
+          </a:stretch>
+        </p:blipFill>
+        <p:spPr>
+          <a:xfrm>
+            <a:off x="509954" y="4147139"/>
+            <a:ext cx="1556230" cy="1268926"/>
+          </a:xfrm>
+          <a:prstGeom prst="rect">
+            <a:avLst/>
+          </a:prstGeom>
+        </p:spPr>
+      </p:pic>
+      <p:pic>
+        <p:nvPicPr>
+          <p:cNvPr id="33" name="Picture 32">
+            <a:extLst>
+              <a:ext uri="{FF2B5EF4-FFF2-40B4-BE49-F238E27FC236}">
+                <a16:creationId xmlns:a16="http://schemas.microsoft.com/office/drawing/2014/main" id="{BA3A0D8C-D9FB-4540-A2B4-9D3D50A1C0B3}"/>
+              </a:ext>
+            </a:extLst>
+          </p:cNvPr>
+          <p:cNvPicPr>
+            <a:picLocks noChangeAspect="1"/>
+          </p:cNvPicPr>
+          <p:nvPr/>
+        </p:nvPicPr>
+        <p:blipFill>
+          <a:blip r:embed="rId6">
+            <a:extLst>
+              <a:ext uri="{28A0092B-C50C-407E-A947-70E740481C1C}">
+                <a14:useLocalDpi xmlns:a14="http://schemas.microsoft.com/office/drawing/2010/main" val="0"/>
+              </a:ext>
+            </a:extLst>
+          </a:blip>
+          <a:stretch>
+            <a:fillRect/>
+          </a:stretch>
+        </p:blipFill>
+        <p:spPr>
+          <a:xfrm>
+            <a:off x="3565438" y="4159833"/>
+            <a:ext cx="1348857" cy="1859441"/>
+          </a:xfrm>
+          <a:prstGeom prst="rect">
+            <a:avLst/>
+          </a:prstGeom>
+        </p:spPr>
+      </p:pic>
+    </p:spTree>
+    <p:extLst>
+      <p:ext uri="{BB962C8B-B14F-4D97-AF65-F5344CB8AC3E}">
+        <p14:creationId xmlns:p14="http://schemas.microsoft.com/office/powerpoint/2010/main" val="465180944"/>
+      </p:ext>
+    </p:extLst>
+  </p:cSld>
+  <p:clrMapOvr>
+    <a:masterClrMapping/>
+  </p:clrMapOvr>
+</p:sld>
+</file>
+
+<file path=ppt/slides/slide4.xml><?xml version="1.0" encoding="utf-8"?>
+<p:sld xmlns:a="http://schemas.openxmlformats.org/drawingml/2006/main" xmlns:r="http://schemas.openxmlformats.org/officeDocument/2006/relationships" xmlns:p="http://schemas.openxmlformats.org/presentationml/2006/main">
+  <p:cSld>
+    <p:spTree>
+      <p:nvGrpSpPr>
+        <p:cNvPr id="1" name=""/>
+        <p:cNvGrpSpPr/>
+        <p:nvPr/>
+      </p:nvGrpSpPr>
+      <p:grpSpPr>
+        <a:xfrm>
+          <a:off x="0" y="0"/>
+          <a:ext cx="0" cy="0"/>
+          <a:chOff x="0" y="0"/>
+          <a:chExt cx="0" cy="0"/>
+        </a:xfrm>
+      </p:grpSpPr>
+      <p:sp>
+        <p:nvSpPr>
+          <p:cNvPr id="6" name="TextBox 5">
+            <a:extLst>
+              <a:ext uri="{FF2B5EF4-FFF2-40B4-BE49-F238E27FC236}">
+                <a16:creationId xmlns:a16="http://schemas.microsoft.com/office/drawing/2014/main" id="{328227FF-FE6D-44C4-ABED-F005D3FF5438}"/>
+              </a:ext>
+            </a:extLst>
+          </p:cNvPr>
+          <p:cNvSpPr txBox="1"/>
+          <p:nvPr/>
+        </p:nvSpPr>
+        <p:spPr>
+          <a:xfrm>
+            <a:off x="4951757" y="-47970"/>
+            <a:ext cx="3067763" cy="400110"/>
+          </a:xfrm>
+          <a:prstGeom prst="rect">
+            <a:avLst/>
+          </a:prstGeom>
+          <a:noFill/>
+        </p:spPr>
+        <p:txBody>
+          <a:bodyPr wrap="none" rtlCol="0">
+            <a:spAutoFit/>
+          </a:bodyPr>
+          <a:lstStyle/>
+          <a:p>
+            <a:r>
               <a:rPr lang="en-US" sz="2000" dirty="0"/>
               <a:t>Viewport Location on Sheet</a:t>
             </a:r>
@@ -3891,12 +5367,48 @@
           </a:p>
         </p:txBody>
       </p:sp>
-      <p:sp>
-        <p:nvSpPr>
-          <p:cNvPr id="7" name="TextBox 6">
-            <a:extLst>
-              <a:ext uri="{FF2B5EF4-FFF2-40B4-BE49-F238E27FC236}">
-                <a16:creationId xmlns:a16="http://schemas.microsoft.com/office/drawing/2014/main" id="{A23D8DDF-94A3-44C3-AA28-0634297C325E}"/>
+      <p:pic>
+        <p:nvPicPr>
+          <p:cNvPr id="12" name="Picture 11" descr="A screenshot of a cell phone&#10;&#10;Description automatically generated">
+            <a:extLst>
+              <a:ext uri="{FF2B5EF4-FFF2-40B4-BE49-F238E27FC236}">
+                <a16:creationId xmlns:a16="http://schemas.microsoft.com/office/drawing/2014/main" id="{51A318DA-6E2C-4EE2-AD16-026F8E03E395}"/>
+              </a:ext>
+            </a:extLst>
+          </p:cNvPr>
+          <p:cNvPicPr>
+            <a:picLocks noChangeAspect="1"/>
+          </p:cNvPicPr>
+          <p:nvPr/>
+        </p:nvPicPr>
+        <p:blipFill>
+          <a:blip r:embed="rId2">
+            <a:extLst>
+              <a:ext uri="{28A0092B-C50C-407E-A947-70E740481C1C}">
+                <a14:useLocalDpi xmlns:a14="http://schemas.microsoft.com/office/drawing/2010/main" val="0"/>
+              </a:ext>
+            </a:extLst>
+          </a:blip>
+          <a:stretch>
+            <a:fillRect/>
+          </a:stretch>
+        </p:blipFill>
+        <p:spPr>
+          <a:xfrm>
+            <a:off x="277778" y="400110"/>
+            <a:ext cx="8838359" cy="6287268"/>
+          </a:xfrm>
+          <a:prstGeom prst="rect">
+            <a:avLst/>
+          </a:prstGeom>
+        </p:spPr>
+      </p:pic>
+      <p:sp>
+        <p:nvSpPr>
+          <p:cNvPr id="13" name="TextBox 12">
+            <a:extLst>
+              <a:ext uri="{FF2B5EF4-FFF2-40B4-BE49-F238E27FC236}">
+                <a16:creationId xmlns:a16="http://schemas.microsoft.com/office/drawing/2014/main" id="{B2F1E70D-9E5F-4B9F-B9E6-38322D37A167}"/>
               </a:ext>
             </a:extLst>
           </p:cNvPr>
@@ -3905,7 +5417,7 @@
         </p:nvSpPr>
         <p:spPr>
           <a:xfrm>
-            <a:off x="9504483" y="527539"/>
+            <a:off x="7795140" y="589085"/>
             <a:ext cx="912429" cy="523220"/>
           </a:xfrm>
           <a:prstGeom prst="rect">
@@ -3937,6 +5449,525 @@
       </p:sp>
       <p:sp>
         <p:nvSpPr>
+          <p:cNvPr id="14" name="TextBox 13">
+            <a:extLst>
+              <a:ext uri="{FF2B5EF4-FFF2-40B4-BE49-F238E27FC236}">
+                <a16:creationId xmlns:a16="http://schemas.microsoft.com/office/drawing/2014/main" id="{17517CF3-9567-4E33-A0D8-6CDED109FC98}"/>
+              </a:ext>
+            </a:extLst>
+          </p:cNvPr>
+          <p:cNvSpPr txBox="1"/>
+          <p:nvPr/>
+        </p:nvSpPr>
+        <p:spPr>
+          <a:xfrm>
+            <a:off x="4869857" y="2479431"/>
+            <a:ext cx="1460656" cy="523220"/>
+          </a:xfrm>
+          <a:prstGeom prst="rect">
+            <a:avLst/>
+          </a:prstGeom>
+          <a:noFill/>
+        </p:spPr>
+        <p:txBody>
+          <a:bodyPr wrap="none" rtlCol="0">
+            <a:spAutoFit/>
+          </a:bodyPr>
+          <a:lstStyle/>
+          <a:p>
+            <a:r>
+              <a:rPr lang="en-US" sz="2800" dirty="0">
+                <a:solidFill>
+                  <a:srgbClr val="FF0000"/>
+                </a:solidFill>
+              </a:rPr>
+              <a:t>1.5,1.5,0</a:t>
+            </a:r>
+            <a:endParaRPr lang="en-SG" sz="2800" dirty="0">
+              <a:solidFill>
+                <a:srgbClr val="FF0000"/>
+              </a:solidFill>
+            </a:endParaRPr>
+          </a:p>
+        </p:txBody>
+      </p:sp>
+      <p:sp>
+        <p:nvSpPr>
+          <p:cNvPr id="15" name="TextBox 14">
+            <a:extLst>
+              <a:ext uri="{FF2B5EF4-FFF2-40B4-BE49-F238E27FC236}">
+                <a16:creationId xmlns:a16="http://schemas.microsoft.com/office/drawing/2014/main" id="{42ACCFAE-304A-467E-A3F2-58AA6162F29D}"/>
+              </a:ext>
+            </a:extLst>
+          </p:cNvPr>
+          <p:cNvSpPr txBox="1"/>
+          <p:nvPr/>
+        </p:nvSpPr>
+        <p:spPr>
+          <a:xfrm>
+            <a:off x="3846074" y="3429000"/>
+            <a:ext cx="912429" cy="523220"/>
+          </a:xfrm>
+          <a:prstGeom prst="rect">
+            <a:avLst/>
+          </a:prstGeom>
+          <a:noFill/>
+        </p:spPr>
+        <p:txBody>
+          <a:bodyPr wrap="none" rtlCol="0">
+            <a:spAutoFit/>
+          </a:bodyPr>
+          <a:lstStyle/>
+          <a:p>
+            <a:r>
+              <a:rPr lang="en-US" sz="2800" dirty="0">
+                <a:solidFill>
+                  <a:srgbClr val="FF0000"/>
+                </a:solidFill>
+              </a:rPr>
+              <a:t>2,2,0</a:t>
+            </a:r>
+            <a:endParaRPr lang="en-SG" sz="2800" dirty="0">
+              <a:solidFill>
+                <a:srgbClr val="FF0000"/>
+              </a:solidFill>
+            </a:endParaRPr>
+          </a:p>
+        </p:txBody>
+      </p:sp>
+      <p:sp>
+        <p:nvSpPr>
+          <p:cNvPr id="16" name="TextBox 15">
+            <a:extLst>
+              <a:ext uri="{FF2B5EF4-FFF2-40B4-BE49-F238E27FC236}">
+                <a16:creationId xmlns:a16="http://schemas.microsoft.com/office/drawing/2014/main" id="{32855E21-E3D5-4DCB-83E4-168871433988}"/>
+              </a:ext>
+            </a:extLst>
+          </p:cNvPr>
+          <p:cNvSpPr txBox="1"/>
+          <p:nvPr/>
+        </p:nvSpPr>
+        <p:spPr>
+          <a:xfrm>
+            <a:off x="2518436" y="4352192"/>
+            <a:ext cx="912429" cy="523220"/>
+          </a:xfrm>
+          <a:prstGeom prst="rect">
+            <a:avLst/>
+          </a:prstGeom>
+          <a:noFill/>
+        </p:spPr>
+        <p:txBody>
+          <a:bodyPr wrap="none" rtlCol="0">
+            <a:spAutoFit/>
+          </a:bodyPr>
+          <a:lstStyle/>
+          <a:p>
+            <a:r>
+              <a:rPr lang="en-US" sz="2800" dirty="0">
+                <a:solidFill>
+                  <a:srgbClr val="FF0000"/>
+                </a:solidFill>
+              </a:rPr>
+              <a:t>3,3,0</a:t>
+            </a:r>
+            <a:endParaRPr lang="en-SG" sz="2800" dirty="0">
+              <a:solidFill>
+                <a:srgbClr val="FF0000"/>
+              </a:solidFill>
+            </a:endParaRPr>
+          </a:p>
+        </p:txBody>
+      </p:sp>
+      <p:cxnSp>
+        <p:nvCxnSpPr>
+          <p:cNvPr id="17" name="Straight Arrow Connector 16">
+            <a:extLst>
+              <a:ext uri="{FF2B5EF4-FFF2-40B4-BE49-F238E27FC236}">
+                <a16:creationId xmlns:a16="http://schemas.microsoft.com/office/drawing/2014/main" id="{36B64EF8-0290-49BF-A83A-7529A5368768}"/>
+              </a:ext>
+            </a:extLst>
+          </p:cNvPr>
+          <p:cNvCxnSpPr>
+            <a:cxnSpLocks/>
+          </p:cNvCxnSpPr>
+          <p:nvPr/>
+        </p:nvCxnSpPr>
+        <p:spPr>
+          <a:xfrm>
+            <a:off x="4020310" y="857301"/>
+            <a:ext cx="1184031" cy="0"/>
+          </a:xfrm>
+          <a:prstGeom prst="straightConnector1">
+            <a:avLst/>
+          </a:prstGeom>
+          <a:ln>
+            <a:tailEnd type="triangle"/>
+          </a:ln>
+        </p:spPr>
+        <p:style>
+          <a:lnRef idx="1">
+            <a:schemeClr val="accent1"/>
+          </a:lnRef>
+          <a:fillRef idx="0">
+            <a:schemeClr val="accent1"/>
+          </a:fillRef>
+          <a:effectRef idx="0">
+            <a:schemeClr val="accent1"/>
+          </a:effectRef>
+          <a:fontRef idx="minor">
+            <a:schemeClr val="tx1"/>
+          </a:fontRef>
+        </p:style>
+      </p:cxnSp>
+      <p:cxnSp>
+        <p:nvCxnSpPr>
+          <p:cNvPr id="18" name="Straight Arrow Connector 17">
+            <a:extLst>
+              <a:ext uri="{FF2B5EF4-FFF2-40B4-BE49-F238E27FC236}">
+                <a16:creationId xmlns:a16="http://schemas.microsoft.com/office/drawing/2014/main" id="{00EFEB50-4094-44F8-B73F-2A8D4F33CF78}"/>
+              </a:ext>
+            </a:extLst>
+          </p:cNvPr>
+          <p:cNvCxnSpPr>
+            <a:cxnSpLocks/>
+          </p:cNvCxnSpPr>
+          <p:nvPr/>
+        </p:nvCxnSpPr>
+        <p:spPr>
+          <a:xfrm flipV="1">
+            <a:off x="8534798" y="2538101"/>
+            <a:ext cx="0" cy="1013246"/>
+          </a:xfrm>
+          <a:prstGeom prst="straightConnector1">
+            <a:avLst/>
+          </a:prstGeom>
+          <a:ln>
+            <a:tailEnd type="triangle"/>
+          </a:ln>
+        </p:spPr>
+        <p:style>
+          <a:lnRef idx="1">
+            <a:schemeClr val="accent1"/>
+          </a:lnRef>
+          <a:fillRef idx="0">
+            <a:schemeClr val="accent1"/>
+          </a:fillRef>
+          <a:effectRef idx="0">
+            <a:schemeClr val="accent1"/>
+          </a:effectRef>
+          <a:fontRef idx="minor">
+            <a:schemeClr val="tx1"/>
+          </a:fontRef>
+        </p:style>
+      </p:cxnSp>
+      <p:sp>
+        <p:nvSpPr>
+          <p:cNvPr id="19" name="TextBox 18">
+            <a:extLst>
+              <a:ext uri="{FF2B5EF4-FFF2-40B4-BE49-F238E27FC236}">
+                <a16:creationId xmlns:a16="http://schemas.microsoft.com/office/drawing/2014/main" id="{FB192596-FE28-4A09-9A37-EA741DB9CC3C}"/>
+              </a:ext>
+            </a:extLst>
+          </p:cNvPr>
+          <p:cNvSpPr txBox="1"/>
+          <p:nvPr/>
+        </p:nvSpPr>
+        <p:spPr>
+          <a:xfrm>
+            <a:off x="4232253" y="543654"/>
+            <a:ext cx="760144" cy="369332"/>
+          </a:xfrm>
+          <a:prstGeom prst="rect">
+            <a:avLst/>
+          </a:prstGeom>
+          <a:noFill/>
+        </p:spPr>
+        <p:txBody>
+          <a:bodyPr wrap="none" rtlCol="0">
+            <a:spAutoFit/>
+          </a:bodyPr>
+          <a:lstStyle/>
+          <a:p>
+            <a:r>
+              <a:rPr lang="en-US" dirty="0"/>
+              <a:t>U Axis</a:t>
+            </a:r>
+            <a:endParaRPr lang="en-SG" dirty="0"/>
+          </a:p>
+        </p:txBody>
+      </p:sp>
+      <p:sp>
+        <p:nvSpPr>
+          <p:cNvPr id="20" name="TextBox 19">
+            <a:extLst>
+              <a:ext uri="{FF2B5EF4-FFF2-40B4-BE49-F238E27FC236}">
+                <a16:creationId xmlns:a16="http://schemas.microsoft.com/office/drawing/2014/main" id="{3B367CCB-3A6F-42E2-9227-387F98F48BE1}"/>
+              </a:ext>
+            </a:extLst>
+          </p:cNvPr>
+          <p:cNvSpPr txBox="1"/>
+          <p:nvPr/>
+        </p:nvSpPr>
+        <p:spPr>
+          <a:xfrm>
+            <a:off x="8466419" y="3002651"/>
+            <a:ext cx="760144" cy="369332"/>
+          </a:xfrm>
+          <a:prstGeom prst="rect">
+            <a:avLst/>
+          </a:prstGeom>
+          <a:noFill/>
+        </p:spPr>
+        <p:txBody>
+          <a:bodyPr wrap="none" rtlCol="0">
+            <a:spAutoFit/>
+          </a:bodyPr>
+          <a:lstStyle/>
+          <a:p>
+            <a:r>
+              <a:rPr lang="en-US" dirty="0"/>
+              <a:t>V Axis</a:t>
+            </a:r>
+            <a:endParaRPr lang="en-SG" dirty="0"/>
+          </a:p>
+        </p:txBody>
+      </p:sp>
+      <p:sp>
+        <p:nvSpPr>
+          <p:cNvPr id="21" name="TextBox 20">
+            <a:extLst>
+              <a:ext uri="{FF2B5EF4-FFF2-40B4-BE49-F238E27FC236}">
+                <a16:creationId xmlns:a16="http://schemas.microsoft.com/office/drawing/2014/main" id="{8ACC376C-EAB6-408D-B226-44051C276687}"/>
+              </a:ext>
+            </a:extLst>
+          </p:cNvPr>
+          <p:cNvSpPr txBox="1"/>
+          <p:nvPr/>
+        </p:nvSpPr>
+        <p:spPr>
+          <a:xfrm>
+            <a:off x="10043212" y="466710"/>
+            <a:ext cx="948593" cy="523220"/>
+          </a:xfrm>
+          <a:prstGeom prst="rect">
+            <a:avLst/>
+          </a:prstGeom>
+          <a:noFill/>
+        </p:spPr>
+        <p:txBody>
+          <a:bodyPr wrap="none" rtlCol="0">
+            <a:spAutoFit/>
+          </a:bodyPr>
+          <a:lstStyle/>
+          <a:p>
+            <a:r>
+              <a:rPr lang="en-US" sz="2800" dirty="0">
+                <a:solidFill>
+                  <a:srgbClr val="FF0000"/>
+                </a:solidFill>
+              </a:rPr>
+              <a:t>A,B,0</a:t>
+            </a:r>
+            <a:endParaRPr lang="en-SG" sz="2800" dirty="0">
+              <a:solidFill>
+                <a:srgbClr val="FF0000"/>
+              </a:solidFill>
+            </a:endParaRPr>
+          </a:p>
+        </p:txBody>
+      </p:sp>
+      <p:sp>
+        <p:nvSpPr>
+          <p:cNvPr id="4" name="TextBox 3">
+            <a:extLst>
+              <a:ext uri="{FF2B5EF4-FFF2-40B4-BE49-F238E27FC236}">
+                <a16:creationId xmlns:a16="http://schemas.microsoft.com/office/drawing/2014/main" id="{429D5A47-52D9-4160-8698-A0FC523257C2}"/>
+              </a:ext>
+            </a:extLst>
+          </p:cNvPr>
+          <p:cNvSpPr txBox="1"/>
+          <p:nvPr/>
+        </p:nvSpPr>
+        <p:spPr>
+          <a:xfrm>
+            <a:off x="9336988" y="1112305"/>
+            <a:ext cx="2855012" cy="646331"/>
+          </a:xfrm>
+          <a:prstGeom prst="rect">
+            <a:avLst/>
+          </a:prstGeom>
+          <a:noFill/>
+        </p:spPr>
+        <p:txBody>
+          <a:bodyPr wrap="none" rtlCol="0">
+            <a:spAutoFit/>
+          </a:bodyPr>
+          <a:lstStyle/>
+          <a:p>
+            <a:r>
+              <a:rPr lang="en-US" dirty="0"/>
+              <a:t>A, B are divisible values</a:t>
+            </a:r>
+            <a:br>
+              <a:rPr lang="en-US" dirty="0"/>
+            </a:br>
+            <a:r>
+              <a:rPr lang="en-US" dirty="0"/>
+              <a:t>inside X and Y vales formula.</a:t>
+            </a:r>
+            <a:endParaRPr lang="en-SG" dirty="0"/>
+          </a:p>
+        </p:txBody>
+      </p:sp>
+    </p:spTree>
+    <p:extLst>
+      <p:ext uri="{BB962C8B-B14F-4D97-AF65-F5344CB8AC3E}">
+        <p14:creationId xmlns:p14="http://schemas.microsoft.com/office/powerpoint/2010/main" val="76493018"/>
+      </p:ext>
+    </p:extLst>
+  </p:cSld>
+  <p:clrMapOvr>
+    <a:masterClrMapping/>
+  </p:clrMapOvr>
+</p:sld>
+</file>
+
+<file path=ppt/slides/slide5.xml><?xml version="1.0" encoding="utf-8"?>
+<p:sld xmlns:a="http://schemas.openxmlformats.org/drawingml/2006/main" xmlns:r="http://schemas.openxmlformats.org/officeDocument/2006/relationships" xmlns:p="http://schemas.openxmlformats.org/presentationml/2006/main">
+  <p:cSld>
+    <p:spTree>
+      <p:nvGrpSpPr>
+        <p:cNvPr id="1" name=""/>
+        <p:cNvGrpSpPr/>
+        <p:nvPr/>
+      </p:nvGrpSpPr>
+      <p:grpSpPr>
+        <a:xfrm>
+          <a:off x="0" y="0"/>
+          <a:ext cx="0" cy="0"/>
+          <a:chOff x="0" y="0"/>
+          <a:chExt cx="0" cy="0"/>
+        </a:xfrm>
+      </p:grpSpPr>
+      <p:pic>
+        <p:nvPicPr>
+          <p:cNvPr id="5" name="Picture 4" descr="A screenshot of a cell phone&#10;&#10;Description automatically generated">
+            <a:extLst>
+              <a:ext uri="{FF2B5EF4-FFF2-40B4-BE49-F238E27FC236}">
+                <a16:creationId xmlns:a16="http://schemas.microsoft.com/office/drawing/2014/main" id="{50E2E45E-D57D-4FD1-8EA7-E1F748B66E88}"/>
+              </a:ext>
+            </a:extLst>
+          </p:cNvPr>
+          <p:cNvPicPr>
+            <a:picLocks noChangeAspect="1"/>
+          </p:cNvPicPr>
+          <p:nvPr/>
+        </p:nvPicPr>
+        <p:blipFill>
+          <a:blip r:embed="rId2">
+            <a:extLst>
+              <a:ext uri="{28A0092B-C50C-407E-A947-70E740481C1C}">
+                <a14:useLocalDpi xmlns:a14="http://schemas.microsoft.com/office/drawing/2010/main" val="0"/>
+              </a:ext>
+            </a:extLst>
+          </a:blip>
+          <a:stretch>
+            <a:fillRect/>
+          </a:stretch>
+        </p:blipFill>
+        <p:spPr>
+          <a:xfrm>
+            <a:off x="178795" y="397678"/>
+            <a:ext cx="8762999" cy="6380724"/>
+          </a:xfrm>
+          <a:prstGeom prst="rect">
+            <a:avLst/>
+          </a:prstGeom>
+        </p:spPr>
+      </p:pic>
+      <p:sp>
+        <p:nvSpPr>
+          <p:cNvPr id="6" name="TextBox 5">
+            <a:extLst>
+              <a:ext uri="{FF2B5EF4-FFF2-40B4-BE49-F238E27FC236}">
+                <a16:creationId xmlns:a16="http://schemas.microsoft.com/office/drawing/2014/main" id="{ECD9765C-39BF-436E-994B-7E15E0A61D41}"/>
+              </a:ext>
+            </a:extLst>
+          </p:cNvPr>
+          <p:cNvSpPr txBox="1"/>
+          <p:nvPr/>
+        </p:nvSpPr>
+        <p:spPr>
+          <a:xfrm>
+            <a:off x="4909462" y="-46255"/>
+            <a:ext cx="3067763" cy="400110"/>
+          </a:xfrm>
+          <a:prstGeom prst="rect">
+            <a:avLst/>
+          </a:prstGeom>
+          <a:noFill/>
+        </p:spPr>
+        <p:txBody>
+          <a:bodyPr wrap="none" rtlCol="0">
+            <a:spAutoFit/>
+          </a:bodyPr>
+          <a:lstStyle/>
+          <a:p>
+            <a:r>
+              <a:rPr lang="en-US" sz="2000" dirty="0"/>
+              <a:t>Viewport Location on Sheet</a:t>
+            </a:r>
+            <a:endParaRPr lang="en-SG" sz="2000" dirty="0"/>
+          </a:p>
+        </p:txBody>
+      </p:sp>
+      <p:sp>
+        <p:nvSpPr>
+          <p:cNvPr id="7" name="TextBox 6">
+            <a:extLst>
+              <a:ext uri="{FF2B5EF4-FFF2-40B4-BE49-F238E27FC236}">
+                <a16:creationId xmlns:a16="http://schemas.microsoft.com/office/drawing/2014/main" id="{A23D8DDF-94A3-44C3-AA28-0634297C325E}"/>
+              </a:ext>
+            </a:extLst>
+          </p:cNvPr>
+          <p:cNvSpPr txBox="1"/>
+          <p:nvPr/>
+        </p:nvSpPr>
+        <p:spPr>
+          <a:xfrm>
+            <a:off x="7692553" y="598659"/>
+            <a:ext cx="912429" cy="523220"/>
+          </a:xfrm>
+          <a:prstGeom prst="rect">
+            <a:avLst/>
+          </a:prstGeom>
+          <a:noFill/>
+        </p:spPr>
+        <p:txBody>
+          <a:bodyPr wrap="none" rtlCol="0">
+            <a:spAutoFit/>
+          </a:bodyPr>
+          <a:lstStyle/>
+          <a:p>
+            <a:r>
+              <a:rPr lang="en-US" sz="2800" dirty="0">
+                <a:solidFill>
+                  <a:srgbClr val="FF0000"/>
+                </a:solidFill>
+              </a:rPr>
+              <a:t>1,1,0</a:t>
+            </a:r>
+            <a:endParaRPr lang="en-SG" sz="2800" dirty="0">
+              <a:solidFill>
+                <a:srgbClr val="FF0000"/>
+              </a:solidFill>
+            </a:endParaRPr>
+          </a:p>
+        </p:txBody>
+      </p:sp>
+      <p:sp>
+        <p:nvSpPr>
           <p:cNvPr id="8" name="TextBox 7">
             <a:extLst>
               <a:ext uri="{FF2B5EF4-FFF2-40B4-BE49-F238E27FC236}">
@@ -3949,7 +5980,7 @@
         </p:nvSpPr>
         <p:spPr>
           <a:xfrm>
-            <a:off x="9504482" y="2461847"/>
+            <a:off x="7692552" y="2532967"/>
             <a:ext cx="1186543" cy="523220"/>
           </a:xfrm>
           <a:prstGeom prst="rect">
@@ -3993,7 +6024,7 @@
         </p:nvSpPr>
         <p:spPr>
           <a:xfrm>
-            <a:off x="9504482" y="3429000"/>
+            <a:off x="7692552" y="3500120"/>
             <a:ext cx="912429" cy="523220"/>
           </a:xfrm>
           <a:prstGeom prst="rect">
@@ -4037,7 +6068,7 @@
         </p:nvSpPr>
         <p:spPr>
           <a:xfrm>
-            <a:off x="9445134" y="4396153"/>
+            <a:off x="7633204" y="4467273"/>
             <a:ext cx="912429" cy="523220"/>
           </a:xfrm>
           <a:prstGeom prst="rect">
@@ -4082,9 +6113,9 @@
           <p:nvPr/>
         </p:nvCxnSpPr>
         <p:spPr>
-          <a:xfrm flipH="1">
-            <a:off x="5216769" y="668215"/>
-            <a:ext cx="1758462" cy="0"/>
+          <a:xfrm>
+            <a:off x="3695800" y="675603"/>
+            <a:ext cx="1176539" cy="0"/>
           </a:xfrm>
           <a:prstGeom prst="straightConnector1">
             <a:avLst/>
@@ -4123,9 +6154,9 @@
           <p:nvPr/>
         </p:nvCxnSpPr>
         <p:spPr>
-          <a:xfrm>
-            <a:off x="11085893" y="1987061"/>
-            <a:ext cx="0" cy="1608993"/>
+          <a:xfrm flipV="1">
+            <a:off x="9030123" y="2269194"/>
+            <a:ext cx="0" cy="1318846"/>
           </a:xfrm>
           <a:prstGeom prst="straightConnector1">
             <a:avLst/>
@@ -4163,7 +6194,7 @@
         </p:nvSpPr>
         <p:spPr>
           <a:xfrm>
-            <a:off x="5715928" y="604483"/>
+            <a:off x="3903998" y="675603"/>
             <a:ext cx="760144" cy="369332"/>
           </a:xfrm>
           <a:prstGeom prst="rect">
@@ -4199,7 +6230,7 @@
         </p:nvSpPr>
         <p:spPr>
           <a:xfrm>
-            <a:off x="11085893" y="2538791"/>
+            <a:off x="8967424" y="2928617"/>
             <a:ext cx="760144" cy="369332"/>
           </a:xfrm>
           <a:prstGeom prst="rect">
@@ -4223,10 +6254,10 @@
       </p:sp>
       <p:sp>
         <p:nvSpPr>
-          <p:cNvPr id="25" name="TextBox 24">
-            <a:extLst>
-              <a:ext uri="{FF2B5EF4-FFF2-40B4-BE49-F238E27FC236}">
-                <a16:creationId xmlns:a16="http://schemas.microsoft.com/office/drawing/2014/main" id="{52FF0EC3-E10A-4554-8FC1-84FB1F7E68D9}"/>
+          <p:cNvPr id="15" name="TextBox 14">
+            <a:extLst>
+              <a:ext uri="{FF2B5EF4-FFF2-40B4-BE49-F238E27FC236}">
+                <a16:creationId xmlns:a16="http://schemas.microsoft.com/office/drawing/2014/main" id="{0727DFA4-F028-4280-9DA2-F7B29147DE00}"/>
               </a:ext>
             </a:extLst>
           </p:cNvPr>
@@ -4235,8 +6266,8 @@
         </p:nvSpPr>
         <p:spPr>
           <a:xfrm>
-            <a:off x="11175540" y="0"/>
-            <a:ext cx="837665" cy="523220"/>
+            <a:off x="10043212" y="466710"/>
+            <a:ext cx="948593" cy="523220"/>
           </a:xfrm>
           <a:prstGeom prst="rect">
             <a:avLst/>
@@ -4255,7 +6286,7 @@
                   <a:srgbClr val="FF0000"/>
                 </a:solidFill>
               </a:rPr>
-              <a:t>X,Y,Z</a:t>
+              <a:t>A,B,0</a:t>
             </a:r>
             <a:endParaRPr lang="en-SG" sz="2800" dirty="0">
               <a:solidFill>
@@ -4265,10 +6296,571 @@
           </a:p>
         </p:txBody>
       </p:sp>
+      <p:sp>
+        <p:nvSpPr>
+          <p:cNvPr id="16" name="TextBox 15">
+            <a:extLst>
+              <a:ext uri="{FF2B5EF4-FFF2-40B4-BE49-F238E27FC236}">
+                <a16:creationId xmlns:a16="http://schemas.microsoft.com/office/drawing/2014/main" id="{95EF3AC3-5E73-4645-94FD-B650AFDA978E}"/>
+              </a:ext>
+            </a:extLst>
+          </p:cNvPr>
+          <p:cNvSpPr txBox="1"/>
+          <p:nvPr/>
+        </p:nvSpPr>
+        <p:spPr>
+          <a:xfrm>
+            <a:off x="9336988" y="1112305"/>
+            <a:ext cx="2855012" cy="646331"/>
+          </a:xfrm>
+          <a:prstGeom prst="rect">
+            <a:avLst/>
+          </a:prstGeom>
+          <a:noFill/>
+        </p:spPr>
+        <p:txBody>
+          <a:bodyPr wrap="none" rtlCol="0">
+            <a:spAutoFit/>
+          </a:bodyPr>
+          <a:lstStyle/>
+          <a:p>
+            <a:r>
+              <a:rPr lang="en-US" dirty="0"/>
+              <a:t>A, B are divisible values</a:t>
+            </a:r>
+            <a:br>
+              <a:rPr lang="en-US" dirty="0"/>
+            </a:br>
+            <a:r>
+              <a:rPr lang="en-US" dirty="0"/>
+              <a:t>inside X and Y vales formula.</a:t>
+            </a:r>
+            <a:endParaRPr lang="en-SG" dirty="0"/>
+          </a:p>
+        </p:txBody>
+      </p:sp>
     </p:spTree>
     <p:extLst>
       <p:ext uri="{BB962C8B-B14F-4D97-AF65-F5344CB8AC3E}">
         <p14:creationId xmlns:p14="http://schemas.microsoft.com/office/powerpoint/2010/main" val="1002060389"/>
+      </p:ext>
+    </p:extLst>
+  </p:cSld>
+  <p:clrMapOvr>
+    <a:masterClrMapping/>
+  </p:clrMapOvr>
+</p:sld>
+</file>
+
+<file path=ppt/slides/slide6.xml><?xml version="1.0" encoding="utf-8"?>
+<p:sld xmlns:a="http://schemas.openxmlformats.org/drawingml/2006/main" xmlns:r="http://schemas.openxmlformats.org/officeDocument/2006/relationships" xmlns:p="http://schemas.openxmlformats.org/presentationml/2006/main">
+  <p:cSld>
+    <p:spTree>
+      <p:nvGrpSpPr>
+        <p:cNvPr id="1" name=""/>
+        <p:cNvGrpSpPr/>
+        <p:nvPr/>
+      </p:nvGrpSpPr>
+      <p:grpSpPr>
+        <a:xfrm>
+          <a:off x="0" y="0"/>
+          <a:ext cx="0" cy="0"/>
+          <a:chOff x="0" y="0"/>
+          <a:chExt cx="0" cy="0"/>
+        </a:xfrm>
+      </p:grpSpPr>
+      <p:sp>
+        <p:nvSpPr>
+          <p:cNvPr id="4" name="TextBox 3">
+            <a:extLst>
+              <a:ext uri="{FF2B5EF4-FFF2-40B4-BE49-F238E27FC236}">
+                <a16:creationId xmlns:a16="http://schemas.microsoft.com/office/drawing/2014/main" id="{69E49BBA-5C05-4DA0-AA5F-CA7B093BC518}"/>
+              </a:ext>
+            </a:extLst>
+          </p:cNvPr>
+          <p:cNvSpPr txBox="1"/>
+          <p:nvPr/>
+        </p:nvSpPr>
+        <p:spPr>
+          <a:xfrm>
+            <a:off x="4943715" y="16919"/>
+            <a:ext cx="3067763" cy="400110"/>
+          </a:xfrm>
+          <a:prstGeom prst="rect">
+            <a:avLst/>
+          </a:prstGeom>
+          <a:noFill/>
+        </p:spPr>
+        <p:txBody>
+          <a:bodyPr wrap="none" rtlCol="0">
+            <a:spAutoFit/>
+          </a:bodyPr>
+          <a:lstStyle/>
+          <a:p>
+            <a:r>
+              <a:rPr lang="en-US" sz="2000" dirty="0"/>
+              <a:t>Viewport Location on Sheet</a:t>
+            </a:r>
+            <a:endParaRPr lang="en-SG" sz="2000" dirty="0"/>
+          </a:p>
+        </p:txBody>
+      </p:sp>
+      <p:pic>
+        <p:nvPicPr>
+          <p:cNvPr id="11" name="Picture 10" descr="A screenshot of a cell phone&#10;&#10;Description automatically generated">
+            <a:extLst>
+              <a:ext uri="{FF2B5EF4-FFF2-40B4-BE49-F238E27FC236}">
+                <a16:creationId xmlns:a16="http://schemas.microsoft.com/office/drawing/2014/main" id="{24AAB3B3-55D4-4DB3-AD0E-F87D5D858509}"/>
+              </a:ext>
+            </a:extLst>
+          </p:cNvPr>
+          <p:cNvPicPr>
+            <a:picLocks noChangeAspect="1"/>
+          </p:cNvPicPr>
+          <p:nvPr/>
+        </p:nvPicPr>
+        <p:blipFill>
+          <a:blip r:embed="rId2">
+            <a:extLst>
+              <a:ext uri="{28A0092B-C50C-407E-A947-70E740481C1C}">
+                <a14:useLocalDpi xmlns:a14="http://schemas.microsoft.com/office/drawing/2010/main" val="0"/>
+              </a:ext>
+            </a:extLst>
+          </a:blip>
+          <a:stretch>
+            <a:fillRect/>
+          </a:stretch>
+        </p:blipFill>
+        <p:spPr>
+          <a:xfrm>
+            <a:off x="178794" y="730383"/>
+            <a:ext cx="8284485" cy="5958424"/>
+          </a:xfrm>
+          <a:prstGeom prst="rect">
+            <a:avLst/>
+          </a:prstGeom>
+        </p:spPr>
+      </p:pic>
+      <p:sp>
+        <p:nvSpPr>
+          <p:cNvPr id="12" name="TextBox 11">
+            <a:extLst>
+              <a:ext uri="{FF2B5EF4-FFF2-40B4-BE49-F238E27FC236}">
+                <a16:creationId xmlns:a16="http://schemas.microsoft.com/office/drawing/2014/main" id="{0DC10172-31F7-429E-8183-CBF82355C4D3}"/>
+              </a:ext>
+            </a:extLst>
+          </p:cNvPr>
+          <p:cNvSpPr txBox="1"/>
+          <p:nvPr/>
+        </p:nvSpPr>
+        <p:spPr>
+          <a:xfrm>
+            <a:off x="6814336" y="1132076"/>
+            <a:ext cx="912429" cy="523220"/>
+          </a:xfrm>
+          <a:prstGeom prst="rect">
+            <a:avLst/>
+          </a:prstGeom>
+          <a:noFill/>
+        </p:spPr>
+        <p:txBody>
+          <a:bodyPr wrap="none" rtlCol="0">
+            <a:spAutoFit/>
+          </a:bodyPr>
+          <a:lstStyle/>
+          <a:p>
+            <a:r>
+              <a:rPr lang="en-US" sz="2800" dirty="0">
+                <a:solidFill>
+                  <a:srgbClr val="FF0000"/>
+                </a:solidFill>
+              </a:rPr>
+              <a:t>1,1,0</a:t>
+            </a:r>
+            <a:endParaRPr lang="en-SG" sz="2800" dirty="0">
+              <a:solidFill>
+                <a:srgbClr val="FF0000"/>
+              </a:solidFill>
+            </a:endParaRPr>
+          </a:p>
+        </p:txBody>
+      </p:sp>
+      <p:sp>
+        <p:nvSpPr>
+          <p:cNvPr id="13" name="TextBox 12">
+            <a:extLst>
+              <a:ext uri="{FF2B5EF4-FFF2-40B4-BE49-F238E27FC236}">
+                <a16:creationId xmlns:a16="http://schemas.microsoft.com/office/drawing/2014/main" id="{A64C6853-1C7B-4721-BC2F-F9600D61437C}"/>
+              </a:ext>
+            </a:extLst>
+          </p:cNvPr>
+          <p:cNvSpPr txBox="1"/>
+          <p:nvPr/>
+        </p:nvSpPr>
+        <p:spPr>
+          <a:xfrm>
+            <a:off x="4510751" y="1132076"/>
+            <a:ext cx="1186543" cy="523220"/>
+          </a:xfrm>
+          <a:prstGeom prst="rect">
+            <a:avLst/>
+          </a:prstGeom>
+          <a:noFill/>
+        </p:spPr>
+        <p:txBody>
+          <a:bodyPr wrap="none" rtlCol="0">
+            <a:spAutoFit/>
+          </a:bodyPr>
+          <a:lstStyle/>
+          <a:p>
+            <a:r>
+              <a:rPr lang="en-US" sz="2800" dirty="0">
+                <a:solidFill>
+                  <a:srgbClr val="FF0000"/>
+                </a:solidFill>
+              </a:rPr>
+              <a:t>1.5,1,0</a:t>
+            </a:r>
+            <a:endParaRPr lang="en-SG" sz="2800" dirty="0">
+              <a:solidFill>
+                <a:srgbClr val="FF0000"/>
+              </a:solidFill>
+            </a:endParaRPr>
+          </a:p>
+        </p:txBody>
+      </p:sp>
+      <p:sp>
+        <p:nvSpPr>
+          <p:cNvPr id="14" name="TextBox 13">
+            <a:extLst>
+              <a:ext uri="{FF2B5EF4-FFF2-40B4-BE49-F238E27FC236}">
+                <a16:creationId xmlns:a16="http://schemas.microsoft.com/office/drawing/2014/main" id="{BDA789A5-EE07-44F7-AE28-418F55EA8A97}"/>
+              </a:ext>
+            </a:extLst>
+          </p:cNvPr>
+          <p:cNvSpPr txBox="1"/>
+          <p:nvPr/>
+        </p:nvSpPr>
+        <p:spPr>
+          <a:xfrm>
+            <a:off x="3327707" y="1160657"/>
+            <a:ext cx="912429" cy="523220"/>
+          </a:xfrm>
+          <a:prstGeom prst="rect">
+            <a:avLst/>
+          </a:prstGeom>
+          <a:noFill/>
+        </p:spPr>
+        <p:txBody>
+          <a:bodyPr wrap="none" rtlCol="0">
+            <a:spAutoFit/>
+          </a:bodyPr>
+          <a:lstStyle/>
+          <a:p>
+            <a:r>
+              <a:rPr lang="en-US" sz="2800" dirty="0">
+                <a:solidFill>
+                  <a:srgbClr val="FF0000"/>
+                </a:solidFill>
+              </a:rPr>
+              <a:t>2,1,0</a:t>
+            </a:r>
+            <a:endParaRPr lang="en-SG" sz="2800" dirty="0">
+              <a:solidFill>
+                <a:srgbClr val="FF0000"/>
+              </a:solidFill>
+            </a:endParaRPr>
+          </a:p>
+        </p:txBody>
+      </p:sp>
+      <p:sp>
+        <p:nvSpPr>
+          <p:cNvPr id="15" name="TextBox 14">
+            <a:extLst>
+              <a:ext uri="{FF2B5EF4-FFF2-40B4-BE49-F238E27FC236}">
+                <a16:creationId xmlns:a16="http://schemas.microsoft.com/office/drawing/2014/main" id="{E24DBA2D-BC73-425C-AEC1-39F2B153EA4E}"/>
+              </a:ext>
+            </a:extLst>
+          </p:cNvPr>
+          <p:cNvSpPr txBox="1"/>
+          <p:nvPr/>
+        </p:nvSpPr>
+        <p:spPr>
+          <a:xfrm>
+            <a:off x="2144663" y="1160657"/>
+            <a:ext cx="912429" cy="523220"/>
+          </a:xfrm>
+          <a:prstGeom prst="rect">
+            <a:avLst/>
+          </a:prstGeom>
+          <a:noFill/>
+        </p:spPr>
+        <p:txBody>
+          <a:bodyPr wrap="none" rtlCol="0">
+            <a:spAutoFit/>
+          </a:bodyPr>
+          <a:lstStyle/>
+          <a:p>
+            <a:r>
+              <a:rPr lang="en-US" sz="2800" dirty="0">
+                <a:solidFill>
+                  <a:srgbClr val="FF0000"/>
+                </a:solidFill>
+              </a:rPr>
+              <a:t>3,1,0</a:t>
+            </a:r>
+            <a:endParaRPr lang="en-SG" sz="2800" dirty="0">
+              <a:solidFill>
+                <a:srgbClr val="FF0000"/>
+              </a:solidFill>
+            </a:endParaRPr>
+          </a:p>
+        </p:txBody>
+      </p:sp>
+      <p:cxnSp>
+        <p:nvCxnSpPr>
+          <p:cNvPr id="19" name="Straight Arrow Connector 18">
+            <a:extLst>
+              <a:ext uri="{FF2B5EF4-FFF2-40B4-BE49-F238E27FC236}">
+                <a16:creationId xmlns:a16="http://schemas.microsoft.com/office/drawing/2014/main" id="{50D9D5FA-9095-4ED5-8717-3C837B17FD2D}"/>
+              </a:ext>
+            </a:extLst>
+          </p:cNvPr>
+          <p:cNvCxnSpPr>
+            <a:cxnSpLocks/>
+          </p:cNvCxnSpPr>
+          <p:nvPr/>
+        </p:nvCxnSpPr>
+        <p:spPr>
+          <a:xfrm flipV="1">
+            <a:off x="7775940" y="3292334"/>
+            <a:ext cx="0" cy="1066306"/>
+          </a:xfrm>
+          <a:prstGeom prst="straightConnector1">
+            <a:avLst/>
+          </a:prstGeom>
+          <a:ln>
+            <a:tailEnd type="triangle"/>
+          </a:ln>
+        </p:spPr>
+        <p:style>
+          <a:lnRef idx="1">
+            <a:schemeClr val="accent1"/>
+          </a:lnRef>
+          <a:fillRef idx="0">
+            <a:schemeClr val="accent1"/>
+          </a:fillRef>
+          <a:effectRef idx="0">
+            <a:schemeClr val="accent1"/>
+          </a:effectRef>
+          <a:fontRef idx="minor">
+            <a:schemeClr val="tx1"/>
+          </a:fontRef>
+        </p:style>
+      </p:cxnSp>
+      <p:sp>
+        <p:nvSpPr>
+          <p:cNvPr id="20" name="TextBox 19">
+            <a:extLst>
+              <a:ext uri="{FF2B5EF4-FFF2-40B4-BE49-F238E27FC236}">
+                <a16:creationId xmlns:a16="http://schemas.microsoft.com/office/drawing/2014/main" id="{346FEB77-55C8-49FB-A17B-9113B5B724E7}"/>
+              </a:ext>
+            </a:extLst>
+          </p:cNvPr>
+          <p:cNvSpPr txBox="1"/>
+          <p:nvPr/>
+        </p:nvSpPr>
+        <p:spPr>
+          <a:xfrm>
+            <a:off x="7719165" y="3618053"/>
+            <a:ext cx="744114" cy="369332"/>
+          </a:xfrm>
+          <a:prstGeom prst="rect">
+            <a:avLst/>
+          </a:prstGeom>
+          <a:noFill/>
+        </p:spPr>
+        <p:txBody>
+          <a:bodyPr wrap="none" rtlCol="0">
+            <a:spAutoFit/>
+          </a:bodyPr>
+          <a:lstStyle/>
+          <a:p>
+            <a:r>
+              <a:rPr lang="en-US" dirty="0"/>
+              <a:t>V Axis</a:t>
+            </a:r>
+            <a:endParaRPr lang="en-SG" dirty="0"/>
+          </a:p>
+        </p:txBody>
+      </p:sp>
+      <p:cxnSp>
+        <p:nvCxnSpPr>
+          <p:cNvPr id="23" name="Straight Arrow Connector 22">
+            <a:extLst>
+              <a:ext uri="{FF2B5EF4-FFF2-40B4-BE49-F238E27FC236}">
+                <a16:creationId xmlns:a16="http://schemas.microsoft.com/office/drawing/2014/main" id="{0D06E64B-5235-492C-AC23-3288BA92F0D3}"/>
+              </a:ext>
+            </a:extLst>
+          </p:cNvPr>
+          <p:cNvCxnSpPr>
+            <a:cxnSpLocks/>
+          </p:cNvCxnSpPr>
+          <p:nvPr/>
+        </p:nvCxnSpPr>
+        <p:spPr>
+          <a:xfrm>
+            <a:off x="3748375" y="779943"/>
+            <a:ext cx="1195340" cy="0"/>
+          </a:xfrm>
+          <a:prstGeom prst="straightConnector1">
+            <a:avLst/>
+          </a:prstGeom>
+          <a:ln>
+            <a:tailEnd type="triangle"/>
+          </a:ln>
+        </p:spPr>
+        <p:style>
+          <a:lnRef idx="1">
+            <a:schemeClr val="accent1"/>
+          </a:lnRef>
+          <a:fillRef idx="0">
+            <a:schemeClr val="accent1"/>
+          </a:fillRef>
+          <a:effectRef idx="0">
+            <a:schemeClr val="accent1"/>
+          </a:effectRef>
+          <a:fontRef idx="minor">
+            <a:schemeClr val="tx1"/>
+          </a:fontRef>
+        </p:style>
+      </p:cxnSp>
+      <p:sp>
+        <p:nvSpPr>
+          <p:cNvPr id="24" name="TextBox 23">
+            <a:extLst>
+              <a:ext uri="{FF2B5EF4-FFF2-40B4-BE49-F238E27FC236}">
+                <a16:creationId xmlns:a16="http://schemas.microsoft.com/office/drawing/2014/main" id="{F4DA0A7B-68C7-4EF4-8603-4BF200D4E60E}"/>
+              </a:ext>
+            </a:extLst>
+          </p:cNvPr>
+          <p:cNvSpPr txBox="1"/>
+          <p:nvPr/>
+        </p:nvSpPr>
+        <p:spPr>
+          <a:xfrm>
+            <a:off x="3940964" y="437040"/>
+            <a:ext cx="760144" cy="369332"/>
+          </a:xfrm>
+          <a:prstGeom prst="rect">
+            <a:avLst/>
+          </a:prstGeom>
+          <a:noFill/>
+        </p:spPr>
+        <p:txBody>
+          <a:bodyPr wrap="none" rtlCol="0">
+            <a:spAutoFit/>
+          </a:bodyPr>
+          <a:lstStyle/>
+          <a:p>
+            <a:r>
+              <a:rPr lang="en-US" dirty="0"/>
+              <a:t>U Axis</a:t>
+            </a:r>
+            <a:endParaRPr lang="en-SG" dirty="0"/>
+          </a:p>
+        </p:txBody>
+      </p:sp>
+      <p:sp>
+        <p:nvSpPr>
+          <p:cNvPr id="28" name="TextBox 27">
+            <a:extLst>
+              <a:ext uri="{FF2B5EF4-FFF2-40B4-BE49-F238E27FC236}">
+                <a16:creationId xmlns:a16="http://schemas.microsoft.com/office/drawing/2014/main" id="{23CB7C8F-A5ED-412F-86BC-8A5D40AF8FEE}"/>
+              </a:ext>
+            </a:extLst>
+          </p:cNvPr>
+          <p:cNvSpPr txBox="1"/>
+          <p:nvPr/>
+        </p:nvSpPr>
+        <p:spPr>
+          <a:xfrm>
+            <a:off x="9981896" y="486481"/>
+            <a:ext cx="948593" cy="523220"/>
+          </a:xfrm>
+          <a:prstGeom prst="rect">
+            <a:avLst/>
+          </a:prstGeom>
+          <a:noFill/>
+        </p:spPr>
+        <p:txBody>
+          <a:bodyPr wrap="none" rtlCol="0">
+            <a:spAutoFit/>
+          </a:bodyPr>
+          <a:lstStyle/>
+          <a:p>
+            <a:r>
+              <a:rPr lang="en-US" sz="2800" dirty="0">
+                <a:solidFill>
+                  <a:srgbClr val="FF0000"/>
+                </a:solidFill>
+              </a:rPr>
+              <a:t>A,B,0</a:t>
+            </a:r>
+            <a:endParaRPr lang="en-SG" sz="2800" dirty="0">
+              <a:solidFill>
+                <a:srgbClr val="FF0000"/>
+              </a:solidFill>
+            </a:endParaRPr>
+          </a:p>
+        </p:txBody>
+      </p:sp>
+      <p:sp>
+        <p:nvSpPr>
+          <p:cNvPr id="29" name="TextBox 28">
+            <a:extLst>
+              <a:ext uri="{FF2B5EF4-FFF2-40B4-BE49-F238E27FC236}">
+                <a16:creationId xmlns:a16="http://schemas.microsoft.com/office/drawing/2014/main" id="{B9CC515E-0668-42E6-B099-98A3736839B0}"/>
+              </a:ext>
+            </a:extLst>
+          </p:cNvPr>
+          <p:cNvSpPr txBox="1"/>
+          <p:nvPr/>
+        </p:nvSpPr>
+        <p:spPr>
+          <a:xfrm>
+            <a:off x="9275672" y="1132076"/>
+            <a:ext cx="2855012" cy="646331"/>
+          </a:xfrm>
+          <a:prstGeom prst="rect">
+            <a:avLst/>
+          </a:prstGeom>
+          <a:noFill/>
+        </p:spPr>
+        <p:txBody>
+          <a:bodyPr wrap="none" rtlCol="0">
+            <a:spAutoFit/>
+          </a:bodyPr>
+          <a:lstStyle/>
+          <a:p>
+            <a:r>
+              <a:rPr lang="en-US" dirty="0"/>
+              <a:t>A, B are divisible values</a:t>
+            </a:r>
+            <a:br>
+              <a:rPr lang="en-US" dirty="0"/>
+            </a:br>
+            <a:r>
+              <a:rPr lang="en-US" dirty="0"/>
+              <a:t>inside X and Y vales formula.</a:t>
+            </a:r>
+          </a:p>
+        </p:txBody>
+      </p:sp>
+    </p:spTree>
+    <p:extLst>
+      <p:ext uri="{BB962C8B-B14F-4D97-AF65-F5344CB8AC3E}">
+        <p14:creationId xmlns:p14="http://schemas.microsoft.com/office/powerpoint/2010/main" val="247986241"/>
       </p:ext>
     </p:extLst>
   </p:cSld>
